--- a/Assignment/Financial/Presentation1.pptx
+++ b/Assignment/Financial/Presentation1.pptx
@@ -6,20 +6,30 @@
   </p:sldMasterIdLst>
   <p:sldIdLst>
     <p:sldId id="256" r:id="rId2"/>
-    <p:sldId id="267" r:id="rId3"/>
-    <p:sldId id="268" r:id="rId4"/>
-    <p:sldId id="257" r:id="rId5"/>
-    <p:sldId id="269" r:id="rId6"/>
-    <p:sldId id="258" r:id="rId7"/>
-    <p:sldId id="270" r:id="rId8"/>
-    <p:sldId id="259" r:id="rId9"/>
-    <p:sldId id="260" r:id="rId10"/>
-    <p:sldId id="261" r:id="rId11"/>
-    <p:sldId id="262" r:id="rId12"/>
-    <p:sldId id="263" r:id="rId13"/>
-    <p:sldId id="264" r:id="rId14"/>
-    <p:sldId id="265" r:id="rId15"/>
-    <p:sldId id="266" r:id="rId16"/>
+    <p:sldId id="273" r:id="rId3"/>
+    <p:sldId id="267" r:id="rId4"/>
+    <p:sldId id="274" r:id="rId5"/>
+    <p:sldId id="257" r:id="rId6"/>
+    <p:sldId id="268" r:id="rId7"/>
+    <p:sldId id="258" r:id="rId8"/>
+    <p:sldId id="284" r:id="rId9"/>
+    <p:sldId id="259" r:id="rId10"/>
+    <p:sldId id="276" r:id="rId11"/>
+    <p:sldId id="278" r:id="rId12"/>
+    <p:sldId id="281" r:id="rId13"/>
+    <p:sldId id="272" r:id="rId14"/>
+    <p:sldId id="279" r:id="rId15"/>
+    <p:sldId id="283" r:id="rId16"/>
+    <p:sldId id="282" r:id="rId17"/>
+    <p:sldId id="270" r:id="rId18"/>
+    <p:sldId id="263" r:id="rId19"/>
+    <p:sldId id="266" r:id="rId20"/>
+    <p:sldId id="265" r:id="rId21"/>
+    <p:sldId id="275" r:id="rId22"/>
+    <p:sldId id="287" r:id="rId23"/>
+    <p:sldId id="285" r:id="rId24"/>
+    <p:sldId id="288" r:id="rId25"/>
+    <p:sldId id="286" r:id="rId26"/>
   </p:sldIdLst>
   <p:sldSz cx="12192000" cy="6858000"/>
   <p:notesSz cx="6858000" cy="9144000"/>
@@ -275,7 +285,7 @@
           <a:p>
             <a:fld id="{9ED2D243-A02D-E741-946F-C165540A988B}" type="datetimeFigureOut">
               <a:rPr lang="en-US" smtClean="0"/>
-              <a:t>1/26/21</a:t>
+              <a:t>2/1/21</a:t>
             </a:fld>
             <a:endParaRPr lang="en-US"/>
           </a:p>
@@ -475,7 +485,7 @@
           <a:p>
             <a:fld id="{9ED2D243-A02D-E741-946F-C165540A988B}" type="datetimeFigureOut">
               <a:rPr lang="en-US" smtClean="0"/>
-              <a:t>1/26/21</a:t>
+              <a:t>2/1/21</a:t>
             </a:fld>
             <a:endParaRPr lang="en-US"/>
           </a:p>
@@ -685,7 +695,7 @@
           <a:p>
             <a:fld id="{9ED2D243-A02D-E741-946F-C165540A988B}" type="datetimeFigureOut">
               <a:rPr lang="en-US" smtClean="0"/>
-              <a:t>1/26/21</a:t>
+              <a:t>2/1/21</a:t>
             </a:fld>
             <a:endParaRPr lang="en-US"/>
           </a:p>
@@ -885,7 +895,7 @@
           <a:p>
             <a:fld id="{9ED2D243-A02D-E741-946F-C165540A988B}" type="datetimeFigureOut">
               <a:rPr lang="en-US" smtClean="0"/>
-              <a:t>1/26/21</a:t>
+              <a:t>2/1/21</a:t>
             </a:fld>
             <a:endParaRPr lang="en-US"/>
           </a:p>
@@ -1161,7 +1171,7 @@
           <a:p>
             <a:fld id="{9ED2D243-A02D-E741-946F-C165540A988B}" type="datetimeFigureOut">
               <a:rPr lang="en-US" smtClean="0"/>
-              <a:t>1/26/21</a:t>
+              <a:t>2/1/21</a:t>
             </a:fld>
             <a:endParaRPr lang="en-US"/>
           </a:p>
@@ -1429,7 +1439,7 @@
           <a:p>
             <a:fld id="{9ED2D243-A02D-E741-946F-C165540A988B}" type="datetimeFigureOut">
               <a:rPr lang="en-US" smtClean="0"/>
-              <a:t>1/26/21</a:t>
+              <a:t>2/1/21</a:t>
             </a:fld>
             <a:endParaRPr lang="en-US"/>
           </a:p>
@@ -1844,7 +1854,7 @@
           <a:p>
             <a:fld id="{9ED2D243-A02D-E741-946F-C165540A988B}" type="datetimeFigureOut">
               <a:rPr lang="en-US" smtClean="0"/>
-              <a:t>1/26/21</a:t>
+              <a:t>2/1/21</a:t>
             </a:fld>
             <a:endParaRPr lang="en-US"/>
           </a:p>
@@ -1986,7 +1996,7 @@
           <a:p>
             <a:fld id="{9ED2D243-A02D-E741-946F-C165540A988B}" type="datetimeFigureOut">
               <a:rPr lang="en-US" smtClean="0"/>
-              <a:t>1/26/21</a:t>
+              <a:t>2/1/21</a:t>
             </a:fld>
             <a:endParaRPr lang="en-US"/>
           </a:p>
@@ -2099,7 +2109,7 @@
           <a:p>
             <a:fld id="{9ED2D243-A02D-E741-946F-C165540A988B}" type="datetimeFigureOut">
               <a:rPr lang="en-US" smtClean="0"/>
-              <a:t>1/26/21</a:t>
+              <a:t>2/1/21</a:t>
             </a:fld>
             <a:endParaRPr lang="en-US"/>
           </a:p>
@@ -2412,7 +2422,7 @@
           <a:p>
             <a:fld id="{9ED2D243-A02D-E741-946F-C165540A988B}" type="datetimeFigureOut">
               <a:rPr lang="en-US" smtClean="0"/>
-              <a:t>1/26/21</a:t>
+              <a:t>2/1/21</a:t>
             </a:fld>
             <a:endParaRPr lang="en-US"/>
           </a:p>
@@ -2701,7 +2711,7 @@
           <a:p>
             <a:fld id="{9ED2D243-A02D-E741-946F-C165540A988B}" type="datetimeFigureOut">
               <a:rPr lang="en-US" smtClean="0"/>
-              <a:t>1/26/21</a:t>
+              <a:t>2/1/21</a:t>
             </a:fld>
             <a:endParaRPr lang="en-US"/>
           </a:p>
@@ -2944,7 +2954,7 @@
           <a:p>
             <a:fld id="{9ED2D243-A02D-E741-946F-C165540A988B}" type="datetimeFigureOut">
               <a:rPr lang="en-US" smtClean="0"/>
-              <a:t>1/26/21</a:t>
+              <a:t>2/1/21</a:t>
             </a:fld>
             <a:endParaRPr lang="en-US"/>
           </a:p>
@@ -3382,7 +3392,10 @@
           <a:bodyPr/>
           <a:lstStyle/>
           <a:p>
-            <a:endParaRPr lang="en-US" dirty="0"/>
+            <a:r>
+              <a:rPr lang="en-US" dirty="0"/>
+              <a:t>Mini Project 1</a:t>
+            </a:r>
           </a:p>
         </p:txBody>
       </p:sp>
@@ -3407,7 +3420,20 @@
           <a:bodyPr/>
           <a:lstStyle/>
           <a:p>
-            <a:endParaRPr lang="en-US"/>
+            <a:r>
+              <a:rPr lang="en-US" dirty="0"/>
+              <a:t>February 2021</a:t>
+            </a:r>
+          </a:p>
+          <a:p>
+            <a:r>
+              <a:rPr lang="en-US" dirty="0" err="1"/>
+              <a:t>Jin</a:t>
+            </a:r>
+            <a:r>
+              <a:rPr lang="en-US" dirty="0"/>
+              <a:t> Yang</a:t>
+            </a:r>
           </a:p>
         </p:txBody>
       </p:sp>
@@ -3446,7 +3472,7 @@
           <p:cNvPr id="2" name="Title 1">
             <a:extLst>
               <a:ext uri="{FF2B5EF4-FFF2-40B4-BE49-F238E27FC236}">
-                <a16:creationId xmlns:a16="http://schemas.microsoft.com/office/drawing/2014/main" id="{DCF95387-9615-A949-8727-5359CBEC6721}"/>
+                <a16:creationId xmlns:a16="http://schemas.microsoft.com/office/drawing/2014/main" id="{96A9ECEF-25D4-BE4D-891B-83AC8AC778A1}"/>
               </a:ext>
             </a:extLst>
           </p:cNvPr>
@@ -3463,12 +3489,8 @@
           <a:lstStyle/>
           <a:p>
             <a:r>
-              <a:rPr lang="en-US" dirty="0" err="1"/>
-              <a:t>Barplot</a:t>
-            </a:r>
-            <a:r>
-              <a:rPr lang="en-US" dirty="0"/>
-              <a:t> across each industry</a:t>
+              <a:rPr lang="en-US" dirty="0"/>
+              <a:t>Correlation</a:t>
             </a:r>
           </a:p>
         </p:txBody>
@@ -3478,7 +3500,7 @@
           <p:cNvPr id="3" name="Content Placeholder 2">
             <a:extLst>
               <a:ext uri="{FF2B5EF4-FFF2-40B4-BE49-F238E27FC236}">
-                <a16:creationId xmlns:a16="http://schemas.microsoft.com/office/drawing/2014/main" id="{B57DA9EB-9E22-964E-8FB3-7A5BCBC6EBF1}"/>
+                <a16:creationId xmlns:a16="http://schemas.microsoft.com/office/drawing/2014/main" id="{120A14F6-9FAF-1C4B-81FE-66159E12D4DD}"/>
               </a:ext>
             </a:extLst>
           </p:cNvPr>
@@ -3494,14 +3516,29 @@
           <a:bodyPr/>
           <a:lstStyle/>
           <a:p>
-            <a:endParaRPr lang="en-US"/>
+            <a:r>
+              <a:rPr lang="en-US" dirty="0"/>
+              <a:t>Spearman for dummy vars of value investing criteria. </a:t>
+            </a:r>
+          </a:p>
+          <a:p>
+            <a:r>
+              <a:rPr lang="en-US" dirty="0"/>
+              <a:t>Pearson for continuous vars of value investing criteria. </a:t>
+            </a:r>
+          </a:p>
+          <a:p>
+            <a:endParaRPr lang="en-US" dirty="0"/>
+          </a:p>
+          <a:p>
+            <a:endParaRPr lang="en-US" dirty="0"/>
           </a:p>
         </p:txBody>
       </p:sp>
     </p:spTree>
     <p:extLst>
       <p:ext uri="{BB962C8B-B14F-4D97-AF65-F5344CB8AC3E}">
-        <p14:creationId xmlns:p14="http://schemas.microsoft.com/office/powerpoint/2010/main" val="502292101"/>
+        <p14:creationId xmlns:p14="http://schemas.microsoft.com/office/powerpoint/2010/main" val="3017032348"/>
       </p:ext>
     </p:extLst>
   </p:cSld>
@@ -3533,7 +3570,7 @@
           <p:cNvPr id="2" name="Title 1">
             <a:extLst>
               <a:ext uri="{FF2B5EF4-FFF2-40B4-BE49-F238E27FC236}">
-                <a16:creationId xmlns:a16="http://schemas.microsoft.com/office/drawing/2014/main" id="{11185E7F-5108-5144-B0FB-BA01DFC116F4}"/>
+                <a16:creationId xmlns:a16="http://schemas.microsoft.com/office/drawing/2014/main" id="{C16984B0-CC63-B943-B156-A50A7495273E}"/>
               </a:ext>
             </a:extLst>
           </p:cNvPr>
@@ -3551,7 +3588,7 @@
           <a:p>
             <a:r>
               <a:rPr lang="en-US" dirty="0"/>
-              <a:t>Line plot/ scatter plot</a:t>
+              <a:t>Scatter plot/ line plot</a:t>
             </a:r>
           </a:p>
         </p:txBody>
@@ -3561,7 +3598,7 @@
           <p:cNvPr id="3" name="Content Placeholder 2">
             <a:extLst>
               <a:ext uri="{FF2B5EF4-FFF2-40B4-BE49-F238E27FC236}">
-                <a16:creationId xmlns:a16="http://schemas.microsoft.com/office/drawing/2014/main" id="{E24F89A7-5290-3442-A062-AA921C7A23DF}"/>
+                <a16:creationId xmlns:a16="http://schemas.microsoft.com/office/drawing/2014/main" id="{566115D2-C763-234E-9E43-02241119429B}"/>
               </a:ext>
             </a:extLst>
           </p:cNvPr>
@@ -3577,14 +3614,25 @@
           <a:bodyPr/>
           <a:lstStyle/>
           <a:p>
-            <a:endParaRPr lang="en-US" dirty="0"/>
+            <a:r>
+              <a:rPr lang="en-US" dirty="0"/>
+              <a:t>Return vs each </a:t>
+            </a:r>
+            <a:r>
+              <a:rPr lang="en-US" dirty="0" err="1"/>
+              <a:t>ind</a:t>
+            </a:r>
+            <a:r>
+              <a:rPr lang="en-US" dirty="0"/>
+              <a:t> variables</a:t>
+            </a:r>
           </a:p>
         </p:txBody>
       </p:sp>
     </p:spTree>
     <p:extLst>
       <p:ext uri="{BB962C8B-B14F-4D97-AF65-F5344CB8AC3E}">
-        <p14:creationId xmlns:p14="http://schemas.microsoft.com/office/powerpoint/2010/main" val="1055867941"/>
+        <p14:creationId xmlns:p14="http://schemas.microsoft.com/office/powerpoint/2010/main" val="506914076"/>
       </p:ext>
     </p:extLst>
   </p:cSld>
@@ -3616,7 +3664,7 @@
           <p:cNvPr id="2" name="Title 1">
             <a:extLst>
               <a:ext uri="{FF2B5EF4-FFF2-40B4-BE49-F238E27FC236}">
-                <a16:creationId xmlns:a16="http://schemas.microsoft.com/office/drawing/2014/main" id="{B092DC62-B6A2-4C48-904E-D1624CF1BEC7}"/>
+                <a16:creationId xmlns:a16="http://schemas.microsoft.com/office/drawing/2014/main" id="{EC96EB3A-7103-504F-A716-B6D75AB35A26}"/>
               </a:ext>
             </a:extLst>
           </p:cNvPr>
@@ -3634,15 +3682,23 @@
           <a:p>
             <a:r>
               <a:rPr lang="en-US" dirty="0"/>
-              <a:t>Cumulative returns </a:t>
+              <a:t>Difference between those firms that made +</a:t>
             </a:r>
             <a:r>
               <a:rPr lang="en-US" dirty="0" err="1"/>
-              <a:t>stw</a:t>
-            </a:r>
-            <a:r>
-              <a:rPr lang="en-US" dirty="0"/>
-              <a:t> vs value portfolio</a:t>
+              <a:t>ve</a:t>
+            </a:r>
+            <a:r>
+              <a:rPr lang="en-US" dirty="0"/>
+              <a:t> vs –</a:t>
+            </a:r>
+            <a:r>
+              <a:rPr lang="en-US" dirty="0" err="1"/>
+              <a:t>ve</a:t>
+            </a:r>
+            <a:r>
+              <a:rPr lang="en-US" dirty="0"/>
+              <a:t> returns?</a:t>
             </a:r>
           </a:p>
         </p:txBody>
@@ -3652,7 +3708,7 @@
           <p:cNvPr id="3" name="Content Placeholder 2">
             <a:extLst>
               <a:ext uri="{FF2B5EF4-FFF2-40B4-BE49-F238E27FC236}">
-                <a16:creationId xmlns:a16="http://schemas.microsoft.com/office/drawing/2014/main" id="{75638773-26C0-8740-8E4E-A55CE3E4CF32}"/>
+                <a16:creationId xmlns:a16="http://schemas.microsoft.com/office/drawing/2014/main" id="{D9BEC79F-BF1B-7949-98E3-73D2312B188C}"/>
               </a:ext>
             </a:extLst>
           </p:cNvPr>
@@ -3670,15 +3726,36 @@
           <a:p>
             <a:r>
               <a:rPr lang="en-US" dirty="0"/>
-              <a:t>Equal capital allocation over 5 firms </a:t>
-            </a:r>
+              <a:t>Split the sample between positive and negative returns.</a:t>
+            </a:r>
+          </a:p>
+          <a:p>
+            <a:r>
+              <a:rPr lang="en-US" dirty="0"/>
+              <a:t>re-run correlation</a:t>
+            </a:r>
+          </a:p>
+          <a:p>
+            <a:r>
+              <a:rPr lang="en-US" dirty="0"/>
+              <a:t>Scatter plot </a:t>
+            </a:r>
+          </a:p>
+          <a:p>
+            <a:r>
+              <a:rPr lang="en-US" dirty="0"/>
+              <a:t>Bar plot for each industry</a:t>
+            </a:r>
+          </a:p>
+          <a:p>
+            <a:endParaRPr lang="en-US" dirty="0"/>
           </a:p>
         </p:txBody>
       </p:sp>
     </p:spTree>
     <p:extLst>
       <p:ext uri="{BB962C8B-B14F-4D97-AF65-F5344CB8AC3E}">
-        <p14:creationId xmlns:p14="http://schemas.microsoft.com/office/powerpoint/2010/main" val="3684322508"/>
+        <p14:creationId xmlns:p14="http://schemas.microsoft.com/office/powerpoint/2010/main" val="1824854245"/>
       </p:ext>
     </p:extLst>
   </p:cSld>
@@ -3710,7 +3787,7 @@
           <p:cNvPr id="2" name="Title 1">
             <a:extLst>
               <a:ext uri="{FF2B5EF4-FFF2-40B4-BE49-F238E27FC236}">
-                <a16:creationId xmlns:a16="http://schemas.microsoft.com/office/drawing/2014/main" id="{04890B4F-9FA1-EE45-A4ED-44892286AD5E}"/>
+                <a16:creationId xmlns:a16="http://schemas.microsoft.com/office/drawing/2014/main" id="{570A7686-5167-FE4D-B308-CA0C2706C131}"/>
               </a:ext>
             </a:extLst>
           </p:cNvPr>
@@ -3728,7 +3805,7 @@
           <a:p>
             <a:r>
               <a:rPr lang="en-US" dirty="0"/>
-              <a:t>Limitations</a:t>
+              <a:t>Hypothesis</a:t>
             </a:r>
           </a:p>
         </p:txBody>
@@ -3738,7 +3815,7 @@
           <p:cNvPr id="3" name="Content Placeholder 2">
             <a:extLst>
               <a:ext uri="{FF2B5EF4-FFF2-40B4-BE49-F238E27FC236}">
-                <a16:creationId xmlns:a16="http://schemas.microsoft.com/office/drawing/2014/main" id="{91507505-57AD-AB4B-B5A5-581D8C998DC3}"/>
+                <a16:creationId xmlns:a16="http://schemas.microsoft.com/office/drawing/2014/main" id="{5E475745-1890-5540-837D-796D2D5509CC}"/>
               </a:ext>
             </a:extLst>
           </p:cNvPr>
@@ -3751,35 +3828,35 @@
         </p:nvSpPr>
         <p:spPr/>
         <p:txBody>
-          <a:bodyPr/>
-          <a:lstStyle/>
-          <a:p>
-            <a:r>
-              <a:rPr lang="en-US" dirty="0"/>
-              <a:t>Majority of the stocks are from ‘material’</a:t>
-            </a:r>
-          </a:p>
-          <a:p>
-            <a:r>
-              <a:rPr lang="en-US" dirty="0"/>
-              <a:t>T-test or </a:t>
-            </a:r>
-            <a:r>
-              <a:rPr lang="en-US" dirty="0" err="1"/>
-              <a:t>Anova</a:t>
-            </a:r>
-            <a:r>
-              <a:rPr lang="en-US" dirty="0"/>
-              <a:t> test to show that sectors are different. </a:t>
-            </a:r>
-          </a:p>
-          <a:p>
-            <a:endParaRPr lang="en-US" dirty="0"/>
-          </a:p>
-          <a:p>
-            <a:pPr marL="0" indent="0">
-              <a:buNone/>
-            </a:pPr>
+          <a:bodyPr>
+            <a:normAutofit/>
+          </a:bodyPr>
+          <a:lstStyle/>
+          <a:p>
+            <a:r>
+              <a:rPr lang="en-US" dirty="0"/>
+              <a:t>Hypothesis using Z-test:</a:t>
+            </a:r>
+          </a:p>
+          <a:p>
+            <a:r>
+              <a:rPr lang="en-US" dirty="0"/>
+              <a:t>Significance level: 5%</a:t>
+            </a:r>
+          </a:p>
+          <a:p>
+            <a:r>
+              <a:rPr lang="en-US" dirty="0"/>
+              <a:t>H0: There is no difference in returns between ASX200 and value investing portfolio.</a:t>
+            </a:r>
+          </a:p>
+          <a:p>
+            <a:r>
+              <a:rPr lang="en-US" dirty="0"/>
+              <a:t>H1: There is difference in returns between ASX200 and value investing portfolio. </a:t>
+            </a:r>
+          </a:p>
+          <a:p>
             <a:endParaRPr lang="en-US" dirty="0"/>
           </a:p>
         </p:txBody>
@@ -3787,7 +3864,7 @@
     </p:spTree>
     <p:extLst>
       <p:ext uri="{BB962C8B-B14F-4D97-AF65-F5344CB8AC3E}">
-        <p14:creationId xmlns:p14="http://schemas.microsoft.com/office/powerpoint/2010/main" val="913382993"/>
+        <p14:creationId xmlns:p14="http://schemas.microsoft.com/office/powerpoint/2010/main" val="3223125407"/>
       </p:ext>
     </p:extLst>
   </p:cSld>
@@ -3819,7 +3896,7 @@
           <p:cNvPr id="2" name="Title 1">
             <a:extLst>
               <a:ext uri="{FF2B5EF4-FFF2-40B4-BE49-F238E27FC236}">
-                <a16:creationId xmlns:a16="http://schemas.microsoft.com/office/drawing/2014/main" id="{8B76D795-3E8B-C240-8875-20EB527B9857}"/>
+                <a16:creationId xmlns:a16="http://schemas.microsoft.com/office/drawing/2014/main" id="{570A7686-5167-FE4D-B308-CA0C2706C131}"/>
               </a:ext>
             </a:extLst>
           </p:cNvPr>
@@ -3835,58 +3912,82 @@
           <a:bodyPr/>
           <a:lstStyle/>
           <a:p>
+            <a:r>
+              <a:rPr lang="en-US" dirty="0"/>
+              <a:t>Hypothesis</a:t>
+            </a:r>
+          </a:p>
+        </p:txBody>
+      </p:sp>
+      <p:sp>
+        <p:nvSpPr>
+          <p:cNvPr id="3" name="Content Placeholder 2">
+            <a:extLst>
+              <a:ext uri="{FF2B5EF4-FFF2-40B4-BE49-F238E27FC236}">
+                <a16:creationId xmlns:a16="http://schemas.microsoft.com/office/drawing/2014/main" id="{5E475745-1890-5540-837D-796D2D5509CC}"/>
+              </a:ext>
+            </a:extLst>
+          </p:cNvPr>
+          <p:cNvSpPr>
+            <a:spLocks noGrp="1"/>
+          </p:cNvSpPr>
+          <p:nvPr>
+            <p:ph idx="1"/>
+          </p:nvPr>
+        </p:nvSpPr>
+        <p:spPr/>
+        <p:txBody>
+          <a:bodyPr>
+            <a:normAutofit fontScale="92500" lnSpcReduction="20000"/>
+          </a:bodyPr>
+          <a:lstStyle/>
+          <a:p>
+            <a:r>
+              <a:rPr lang="en-US" dirty="0"/>
+              <a:t>Hypothesis using Z-test:</a:t>
+            </a:r>
+          </a:p>
+          <a:p>
+            <a:r>
+              <a:rPr lang="en-US" dirty="0"/>
+              <a:t>Significance level: 5%</a:t>
+            </a:r>
+          </a:p>
+          <a:p>
+            <a:r>
+              <a:rPr lang="en-US" dirty="0"/>
+              <a:t>H0: There is no difference in returns between ASX200 and value investing portfolio.</a:t>
+            </a:r>
+          </a:p>
+          <a:p>
+            <a:r>
+              <a:rPr lang="en-US" dirty="0"/>
+              <a:t>H1: There is difference in returns between ASX200 and value investing portfolio. </a:t>
+            </a:r>
+          </a:p>
+          <a:p>
             <a:endParaRPr lang="en-US" dirty="0"/>
           </a:p>
-        </p:txBody>
-      </p:sp>
-      <p:sp>
-        <p:nvSpPr>
-          <p:cNvPr id="3" name="Content Placeholder 2">
-            <a:extLst>
-              <a:ext uri="{FF2B5EF4-FFF2-40B4-BE49-F238E27FC236}">
-                <a16:creationId xmlns:a16="http://schemas.microsoft.com/office/drawing/2014/main" id="{DD1EEA0C-B711-B94A-B930-EBB607559761}"/>
-              </a:ext>
-            </a:extLst>
-          </p:cNvPr>
-          <p:cNvSpPr>
-            <a:spLocks noGrp="1"/>
-          </p:cNvSpPr>
-          <p:nvPr>
-            <p:ph idx="1"/>
-          </p:nvPr>
-        </p:nvSpPr>
-        <p:spPr/>
-        <p:txBody>
-          <a:bodyPr/>
-          <a:lstStyle/>
-          <a:p>
-            <a:r>
-              <a:rPr lang="en-US" dirty="0"/>
-              <a:t>regression</a:t>
-            </a:r>
-          </a:p>
-          <a:p>
-            <a:r>
-              <a:rPr lang="en-US" dirty="0"/>
-              <a:t>Share price</a:t>
-            </a:r>
-          </a:p>
           <a:p>
             <a:r>
               <a:rPr lang="en-US" dirty="0" err="1"/>
-              <a:t>Ind_vars</a:t>
-            </a:r>
-            <a:r>
-              <a:rPr lang="en-US" dirty="0"/>
-              <a:t>: </a:t>
-            </a:r>
-            <a:r>
-              <a:rPr lang="en-US" dirty="0" err="1"/>
-              <a:t>current_ratio</a:t>
-            </a:r>
-            <a:r>
-              <a:rPr lang="en-US" dirty="0"/>
-              <a:t>, de, eps, pe, pb</a:t>
+              <a:t>Cum.return</a:t>
+            </a:r>
+            <a:r>
+              <a:rPr lang="en-US" dirty="0"/>
+              <a:t> = criteria 1 + 2 + 3 + 4 + 5</a:t>
+            </a:r>
+          </a:p>
+          <a:p>
+            <a:r>
+              <a:rPr lang="en-US" dirty="0"/>
+              <a:t>H0: Value investing approach does not lead to higher cumulative returns from 2015.</a:t>
+            </a:r>
+          </a:p>
+          <a:p>
+            <a:r>
+              <a:rPr lang="en-US" dirty="0"/>
+              <a:t>H1: Value investing approach leads to higher cumulative returns from 2015.</a:t>
             </a:r>
           </a:p>
           <a:p>
@@ -3897,7 +3998,7 @@
     </p:spTree>
     <p:extLst>
       <p:ext uri="{BB962C8B-B14F-4D97-AF65-F5344CB8AC3E}">
-        <p14:creationId xmlns:p14="http://schemas.microsoft.com/office/powerpoint/2010/main" val="1503417598"/>
+        <p14:creationId xmlns:p14="http://schemas.microsoft.com/office/powerpoint/2010/main" val="2427877250"/>
       </p:ext>
     </p:extLst>
   </p:cSld>
@@ -3929,6 +4030,418 @@
           <p:cNvPr id="2" name="Title 1">
             <a:extLst>
               <a:ext uri="{FF2B5EF4-FFF2-40B4-BE49-F238E27FC236}">
+                <a16:creationId xmlns:a16="http://schemas.microsoft.com/office/drawing/2014/main" id="{B1DB05FF-4C2D-DC4B-BB85-8CE1E0EB5DF0}"/>
+              </a:ext>
+            </a:extLst>
+          </p:cNvPr>
+          <p:cNvSpPr>
+            <a:spLocks noGrp="1"/>
+          </p:cNvSpPr>
+          <p:nvPr>
+            <p:ph type="title"/>
+          </p:nvPr>
+        </p:nvSpPr>
+        <p:spPr/>
+        <p:txBody>
+          <a:bodyPr/>
+          <a:lstStyle/>
+          <a:p>
+            <a:r>
+              <a:rPr lang="en-US" dirty="0"/>
+              <a:t>Univariate test results</a:t>
+            </a:r>
+          </a:p>
+        </p:txBody>
+      </p:sp>
+      <p:sp>
+        <p:nvSpPr>
+          <p:cNvPr id="3" name="Content Placeholder 2">
+            <a:extLst>
+              <a:ext uri="{FF2B5EF4-FFF2-40B4-BE49-F238E27FC236}">
+                <a16:creationId xmlns:a16="http://schemas.microsoft.com/office/drawing/2014/main" id="{30C7F9EA-3BAF-A546-9871-8E8A9CA1086E}"/>
+              </a:ext>
+            </a:extLst>
+          </p:cNvPr>
+          <p:cNvSpPr>
+            <a:spLocks noGrp="1"/>
+          </p:cNvSpPr>
+          <p:nvPr>
+            <p:ph idx="1"/>
+          </p:nvPr>
+        </p:nvSpPr>
+        <p:spPr/>
+        <p:txBody>
+          <a:bodyPr/>
+          <a:lstStyle/>
+          <a:p>
+            <a:endParaRPr lang="en-US" dirty="0"/>
+          </a:p>
+        </p:txBody>
+      </p:sp>
+    </p:spTree>
+    <p:extLst>
+      <p:ext uri="{BB962C8B-B14F-4D97-AF65-F5344CB8AC3E}">
+        <p14:creationId xmlns:p14="http://schemas.microsoft.com/office/powerpoint/2010/main" val="2355681260"/>
+      </p:ext>
+    </p:extLst>
+  </p:cSld>
+  <p:clrMapOvr>
+    <a:masterClrMapping/>
+  </p:clrMapOvr>
+</p:sld>
+</file>
+
+<file path=ppt/slides/slide16.xml><?xml version="1.0" encoding="utf-8"?>
+<p:sld xmlns:a="http://schemas.openxmlformats.org/drawingml/2006/main" xmlns:r="http://schemas.openxmlformats.org/officeDocument/2006/relationships" xmlns:p="http://schemas.openxmlformats.org/presentationml/2006/main">
+  <p:cSld>
+    <p:spTree>
+      <p:nvGrpSpPr>
+        <p:cNvPr id="1" name=""/>
+        <p:cNvGrpSpPr/>
+        <p:nvPr/>
+      </p:nvGrpSpPr>
+      <p:grpSpPr>
+        <a:xfrm>
+          <a:off x="0" y="0"/>
+          <a:ext cx="0" cy="0"/>
+          <a:chOff x="0" y="0"/>
+          <a:chExt cx="0" cy="0"/>
+        </a:xfrm>
+      </p:grpSpPr>
+      <p:sp>
+        <p:nvSpPr>
+          <p:cNvPr id="2" name="Title 1">
+            <a:extLst>
+              <a:ext uri="{FF2B5EF4-FFF2-40B4-BE49-F238E27FC236}">
+                <a16:creationId xmlns:a16="http://schemas.microsoft.com/office/drawing/2014/main" id="{1EB497A3-342F-4247-B209-5F4CC1DE6B8A}"/>
+              </a:ext>
+            </a:extLst>
+          </p:cNvPr>
+          <p:cNvSpPr>
+            <a:spLocks noGrp="1"/>
+          </p:cNvSpPr>
+          <p:nvPr>
+            <p:ph type="title"/>
+          </p:nvPr>
+        </p:nvSpPr>
+        <p:spPr/>
+        <p:txBody>
+          <a:bodyPr/>
+          <a:lstStyle/>
+          <a:p>
+            <a:r>
+              <a:rPr lang="en-US" dirty="0"/>
+              <a:t>Experiment</a:t>
+            </a:r>
+          </a:p>
+        </p:txBody>
+      </p:sp>
+      <p:sp>
+        <p:nvSpPr>
+          <p:cNvPr id="3" name="Content Placeholder 2">
+            <a:extLst>
+              <a:ext uri="{FF2B5EF4-FFF2-40B4-BE49-F238E27FC236}">
+                <a16:creationId xmlns:a16="http://schemas.microsoft.com/office/drawing/2014/main" id="{26944078-28E2-484E-A082-D7C3AC7074BC}"/>
+              </a:ext>
+            </a:extLst>
+          </p:cNvPr>
+          <p:cNvSpPr>
+            <a:spLocks noGrp="1"/>
+          </p:cNvSpPr>
+          <p:nvPr>
+            <p:ph idx="1"/>
+          </p:nvPr>
+        </p:nvSpPr>
+        <p:spPr/>
+        <p:txBody>
+          <a:bodyPr/>
+          <a:lstStyle/>
+          <a:p>
+            <a:r>
+              <a:rPr lang="en-US" dirty="0"/>
+              <a:t>Comparing the portfolio returns with ASX200.</a:t>
+            </a:r>
+          </a:p>
+          <a:p>
+            <a:r>
+              <a:rPr lang="en-US" dirty="0"/>
+              <a:t>How much would $1 be in 5 years. </a:t>
+            </a:r>
+          </a:p>
+        </p:txBody>
+      </p:sp>
+    </p:spTree>
+    <p:extLst>
+      <p:ext uri="{BB962C8B-B14F-4D97-AF65-F5344CB8AC3E}">
+        <p14:creationId xmlns:p14="http://schemas.microsoft.com/office/powerpoint/2010/main" val="3774547595"/>
+      </p:ext>
+    </p:extLst>
+  </p:cSld>
+  <p:clrMapOvr>
+    <a:masterClrMapping/>
+  </p:clrMapOvr>
+</p:sld>
+</file>
+
+<file path=ppt/slides/slide17.xml><?xml version="1.0" encoding="utf-8"?>
+<p:sld xmlns:a="http://schemas.openxmlformats.org/drawingml/2006/main" xmlns:r="http://schemas.openxmlformats.org/officeDocument/2006/relationships" xmlns:p="http://schemas.openxmlformats.org/presentationml/2006/main">
+  <p:cSld>
+    <p:spTree>
+      <p:nvGrpSpPr>
+        <p:cNvPr id="1" name=""/>
+        <p:cNvGrpSpPr/>
+        <p:nvPr/>
+      </p:nvGrpSpPr>
+      <p:grpSpPr>
+        <a:xfrm>
+          <a:off x="0" y="0"/>
+          <a:ext cx="0" cy="0"/>
+          <a:chOff x="0" y="0"/>
+          <a:chExt cx="0" cy="0"/>
+        </a:xfrm>
+      </p:grpSpPr>
+      <p:sp>
+        <p:nvSpPr>
+          <p:cNvPr id="2" name="Title 1">
+            <a:extLst>
+              <a:ext uri="{FF2B5EF4-FFF2-40B4-BE49-F238E27FC236}">
+                <a16:creationId xmlns:a16="http://schemas.microsoft.com/office/drawing/2014/main" id="{7E8817C1-51AB-BC42-8F9B-27A500365100}"/>
+              </a:ext>
+            </a:extLst>
+          </p:cNvPr>
+          <p:cNvSpPr>
+            <a:spLocks noGrp="1"/>
+          </p:cNvSpPr>
+          <p:nvPr>
+            <p:ph type="title"/>
+          </p:nvPr>
+        </p:nvSpPr>
+        <p:spPr/>
+        <p:txBody>
+          <a:bodyPr/>
+          <a:lstStyle/>
+          <a:p>
+            <a:r>
+              <a:rPr lang="en-US" dirty="0"/>
+              <a:t>Methodology</a:t>
+            </a:r>
+          </a:p>
+        </p:txBody>
+      </p:sp>
+      <p:sp>
+        <p:nvSpPr>
+          <p:cNvPr id="3" name="Content Placeholder 2">
+            <a:extLst>
+              <a:ext uri="{FF2B5EF4-FFF2-40B4-BE49-F238E27FC236}">
+                <a16:creationId xmlns:a16="http://schemas.microsoft.com/office/drawing/2014/main" id="{A917E4DF-C4B2-F94B-9FD7-B31E8FB46DBE}"/>
+              </a:ext>
+            </a:extLst>
+          </p:cNvPr>
+          <p:cNvSpPr>
+            <a:spLocks noGrp="1"/>
+          </p:cNvSpPr>
+          <p:nvPr>
+            <p:ph idx="1"/>
+          </p:nvPr>
+        </p:nvSpPr>
+        <p:spPr/>
+        <p:txBody>
+          <a:bodyPr/>
+          <a:lstStyle/>
+          <a:p>
+            <a:r>
+              <a:rPr lang="en-US" dirty="0"/>
+              <a:t>Summary statistics</a:t>
+            </a:r>
+          </a:p>
+          <a:p>
+            <a:r>
+              <a:rPr lang="en-US" dirty="0"/>
+              <a:t>Correlation heatmap</a:t>
+            </a:r>
+          </a:p>
+          <a:p>
+            <a:r>
+              <a:rPr lang="en-US" dirty="0"/>
+              <a:t>Boxplot for all key variables comparison between 2015 and 2019</a:t>
+            </a:r>
+          </a:p>
+          <a:p>
+            <a:pPr lvl="1"/>
+            <a:r>
+              <a:rPr lang="en-US" dirty="0"/>
+              <a:t>May be a line plot??</a:t>
+            </a:r>
+          </a:p>
+          <a:p>
+            <a:r>
+              <a:rPr lang="en-US" dirty="0"/>
+              <a:t>Scatter plot between </a:t>
+            </a:r>
+            <a:r>
+              <a:rPr lang="en-US" dirty="0" err="1"/>
+              <a:t>ind</a:t>
+            </a:r>
+            <a:r>
+              <a:rPr lang="en-US" dirty="0"/>
+              <a:t> vars and share price correlation</a:t>
+            </a:r>
+          </a:p>
+          <a:p>
+            <a:r>
+              <a:rPr lang="en-US" dirty="0"/>
+              <a:t>Cumulative returns from 2015 to today</a:t>
+            </a:r>
+          </a:p>
+          <a:p>
+            <a:r>
+              <a:rPr lang="en-US" dirty="0"/>
+              <a:t>Regression whether the independent variables are associated with share price.</a:t>
+            </a:r>
+          </a:p>
+          <a:p>
+            <a:endParaRPr lang="en-US" dirty="0"/>
+          </a:p>
+          <a:p>
+            <a:endParaRPr lang="en-US" dirty="0"/>
+          </a:p>
+        </p:txBody>
+      </p:sp>
+    </p:spTree>
+    <p:extLst>
+      <p:ext uri="{BB962C8B-B14F-4D97-AF65-F5344CB8AC3E}">
+        <p14:creationId xmlns:p14="http://schemas.microsoft.com/office/powerpoint/2010/main" val="224055216"/>
+      </p:ext>
+    </p:extLst>
+  </p:cSld>
+  <p:clrMapOvr>
+    <a:masterClrMapping/>
+  </p:clrMapOvr>
+</p:sld>
+</file>
+
+<file path=ppt/slides/slide18.xml><?xml version="1.0" encoding="utf-8"?>
+<p:sld xmlns:a="http://schemas.openxmlformats.org/drawingml/2006/main" xmlns:r="http://schemas.openxmlformats.org/officeDocument/2006/relationships" xmlns:p="http://schemas.openxmlformats.org/presentationml/2006/main">
+  <p:cSld>
+    <p:spTree>
+      <p:nvGrpSpPr>
+        <p:cNvPr id="1" name=""/>
+        <p:cNvGrpSpPr/>
+        <p:nvPr/>
+      </p:nvGrpSpPr>
+      <p:grpSpPr>
+        <a:xfrm>
+          <a:off x="0" y="0"/>
+          <a:ext cx="0" cy="0"/>
+          <a:chOff x="0" y="0"/>
+          <a:chExt cx="0" cy="0"/>
+        </a:xfrm>
+      </p:grpSpPr>
+      <p:sp>
+        <p:nvSpPr>
+          <p:cNvPr id="2" name="Title 1">
+            <a:extLst>
+              <a:ext uri="{FF2B5EF4-FFF2-40B4-BE49-F238E27FC236}">
+                <a16:creationId xmlns:a16="http://schemas.microsoft.com/office/drawing/2014/main" id="{B092DC62-B6A2-4C48-904E-D1624CF1BEC7}"/>
+              </a:ext>
+            </a:extLst>
+          </p:cNvPr>
+          <p:cNvSpPr>
+            <a:spLocks noGrp="1"/>
+          </p:cNvSpPr>
+          <p:nvPr>
+            <p:ph type="title"/>
+          </p:nvPr>
+        </p:nvSpPr>
+        <p:spPr/>
+        <p:txBody>
+          <a:bodyPr/>
+          <a:lstStyle/>
+          <a:p>
+            <a:r>
+              <a:rPr lang="en-US" dirty="0"/>
+              <a:t>Cumulative returns </a:t>
+            </a:r>
+            <a:r>
+              <a:rPr lang="en-US" dirty="0" err="1"/>
+              <a:t>stw</a:t>
+            </a:r>
+            <a:r>
+              <a:rPr lang="en-US" dirty="0"/>
+              <a:t> vs value portfolio</a:t>
+            </a:r>
+          </a:p>
+        </p:txBody>
+      </p:sp>
+      <p:sp>
+        <p:nvSpPr>
+          <p:cNvPr id="3" name="Content Placeholder 2">
+            <a:extLst>
+              <a:ext uri="{FF2B5EF4-FFF2-40B4-BE49-F238E27FC236}">
+                <a16:creationId xmlns:a16="http://schemas.microsoft.com/office/drawing/2014/main" id="{75638773-26C0-8740-8E4E-A55CE3E4CF32}"/>
+              </a:ext>
+            </a:extLst>
+          </p:cNvPr>
+          <p:cNvSpPr>
+            <a:spLocks noGrp="1"/>
+          </p:cNvSpPr>
+          <p:nvPr>
+            <p:ph idx="1"/>
+          </p:nvPr>
+        </p:nvSpPr>
+        <p:spPr/>
+        <p:txBody>
+          <a:bodyPr/>
+          <a:lstStyle/>
+          <a:p>
+            <a:r>
+              <a:rPr lang="en-US" dirty="0"/>
+              <a:t>Equal capital allocation over 5 firms</a:t>
+            </a:r>
+          </a:p>
+          <a:p>
+            <a:r>
+              <a:rPr lang="en-US" dirty="0"/>
+              <a:t>Correlation/scatter plot of returns between ASX200 and value portfolio</a:t>
+            </a:r>
+          </a:p>
+        </p:txBody>
+      </p:sp>
+    </p:spTree>
+    <p:extLst>
+      <p:ext uri="{BB962C8B-B14F-4D97-AF65-F5344CB8AC3E}">
+        <p14:creationId xmlns:p14="http://schemas.microsoft.com/office/powerpoint/2010/main" val="3684322508"/>
+      </p:ext>
+    </p:extLst>
+  </p:cSld>
+  <p:clrMapOvr>
+    <a:masterClrMapping/>
+  </p:clrMapOvr>
+</p:sld>
+</file>
+
+<file path=ppt/slides/slide19.xml><?xml version="1.0" encoding="utf-8"?>
+<p:sld xmlns:a="http://schemas.openxmlformats.org/drawingml/2006/main" xmlns:r="http://schemas.openxmlformats.org/officeDocument/2006/relationships" xmlns:p="http://schemas.openxmlformats.org/presentationml/2006/main">
+  <p:cSld>
+    <p:spTree>
+      <p:nvGrpSpPr>
+        <p:cNvPr id="1" name=""/>
+        <p:cNvGrpSpPr/>
+        <p:nvPr/>
+      </p:nvGrpSpPr>
+      <p:grpSpPr>
+        <a:xfrm>
+          <a:off x="0" y="0"/>
+          <a:ext cx="0" cy="0"/>
+          <a:chOff x="0" y="0"/>
+          <a:chExt cx="0" cy="0"/>
+        </a:xfrm>
+      </p:grpSpPr>
+      <p:sp>
+        <p:nvSpPr>
+          <p:cNvPr id="2" name="Title 1">
+            <a:extLst>
+              <a:ext uri="{FF2B5EF4-FFF2-40B4-BE49-F238E27FC236}">
                 <a16:creationId xmlns:a16="http://schemas.microsoft.com/office/drawing/2014/main" id="{68B328B1-53EC-524B-9296-893100945596}"/>
               </a:ext>
             </a:extLst>
@@ -3970,7 +4483,9 @@
         </p:nvSpPr>
         <p:spPr/>
         <p:txBody>
-          <a:bodyPr/>
+          <a:bodyPr>
+            <a:normAutofit/>
+          </a:bodyPr>
           <a:lstStyle/>
           <a:p>
             <a:r>
@@ -3988,6 +4503,21 @@
             </a:r>
           </a:p>
           <a:p>
+            <a:pPr lvl="1"/>
+            <a:r>
+              <a:rPr lang="en-US" dirty="0"/>
+              <a:t>Selection of the undervalued stocks in value investing portfolio are bias to certain GIC Industry (e.g., materials). </a:t>
+            </a:r>
+          </a:p>
+          <a:p>
+            <a:pPr lvl="1"/>
+            <a:r>
+              <a:rPr lang="en-US" dirty="0"/>
+              <a:t>May not be diversified. </a:t>
+            </a:r>
+          </a:p>
+          <a:p>
+            <a:pPr lvl="1"/>
             <a:endParaRPr lang="en-US" dirty="0"/>
           </a:p>
           <a:p>
@@ -4000,8 +4530,14 @@
             <a:pPr lvl="1"/>
             <a:r>
               <a:rPr lang="en-US" dirty="0"/>
-              <a:t>numbers</a:t>
-            </a:r>
+              <a:t>Numbers</a:t>
+            </a:r>
+          </a:p>
+          <a:p>
+            <a:endParaRPr lang="en-US" dirty="0"/>
+          </a:p>
+          <a:p>
+            <a:endParaRPr lang="en-US" dirty="0"/>
           </a:p>
           <a:p>
             <a:endParaRPr lang="en-US" dirty="0"/>
@@ -4043,7 +4579,7 @@
           <p:cNvPr id="2" name="Title 1">
             <a:extLst>
               <a:ext uri="{FF2B5EF4-FFF2-40B4-BE49-F238E27FC236}">
-                <a16:creationId xmlns:a16="http://schemas.microsoft.com/office/drawing/2014/main" id="{80F079BD-8899-724C-AFA2-C1BA3394ABE7}"/>
+                <a16:creationId xmlns:a16="http://schemas.microsoft.com/office/drawing/2014/main" id="{869A375D-2440-B04E-825E-EC4E9F448A56}"/>
               </a:ext>
             </a:extLst>
           </p:cNvPr>
@@ -4061,7 +4597,7 @@
           <a:p>
             <a:r>
               <a:rPr lang="en-US" dirty="0"/>
-              <a:t>Background </a:t>
+              <a:t>Disclaimer</a:t>
             </a:r>
           </a:p>
         </p:txBody>
@@ -4071,7 +4607,7 @@
           <p:cNvPr id="3" name="Content Placeholder 2">
             <a:extLst>
               <a:ext uri="{FF2B5EF4-FFF2-40B4-BE49-F238E27FC236}">
-                <a16:creationId xmlns:a16="http://schemas.microsoft.com/office/drawing/2014/main" id="{C56C97A2-2F4B-404D-981D-7564986E0B9A}"/>
+                <a16:creationId xmlns:a16="http://schemas.microsoft.com/office/drawing/2014/main" id="{1780F01C-9CC4-6E46-9845-BDF27FC70F28}"/>
               </a:ext>
             </a:extLst>
           </p:cNvPr>
@@ -4089,40 +4625,14 @@
           <a:p>
             <a:r>
               <a:rPr lang="en-US" dirty="0"/>
-              <a:t>The market is volatile and uncertain.</a:t>
-            </a:r>
-          </a:p>
-          <a:p>
-            <a:endParaRPr lang="en-US" dirty="0"/>
-          </a:p>
-          <a:p>
-            <a:r>
-              <a:rPr lang="en-US" dirty="0"/>
-              <a:t>Uncertainty of the market. </a:t>
-            </a:r>
-          </a:p>
-          <a:p>
-            <a:r>
-              <a:rPr lang="en-US" dirty="0"/>
-              <a:t>How the exogeneous shock of </a:t>
-            </a:r>
-            <a:r>
-              <a:rPr lang="en-US" dirty="0" err="1"/>
-              <a:t>covid</a:t>
-            </a:r>
-            <a:r>
-              <a:rPr lang="en-US" dirty="0"/>
-              <a:t> affected the stock market.</a:t>
-            </a:r>
-          </a:p>
-          <a:p>
-            <a:r>
-              <a:rPr lang="en-US" dirty="0"/>
-              <a:t>Active vs passive investing</a:t>
-            </a:r>
-          </a:p>
-          <a:p>
-            <a:endParaRPr lang="en-US" dirty="0"/>
+              <a:t>Past performance is no guarantee of future results. </a:t>
+            </a:r>
+          </a:p>
+          <a:p>
+            <a:r>
+              <a:rPr lang="en-US" dirty="0"/>
+              <a:t>The analysis presented in this presentation is to provide information on historical data and has no intention to provide any financial advice. </a:t>
+            </a:r>
           </a:p>
           <a:p>
             <a:endParaRPr lang="en-US" dirty="0"/>
@@ -4132,7 +4642,647 @@
     </p:spTree>
     <p:extLst>
       <p:ext uri="{BB962C8B-B14F-4D97-AF65-F5344CB8AC3E}">
-        <p14:creationId xmlns:p14="http://schemas.microsoft.com/office/powerpoint/2010/main" val="1179023842"/>
+        <p14:creationId xmlns:p14="http://schemas.microsoft.com/office/powerpoint/2010/main" val="758724570"/>
+      </p:ext>
+    </p:extLst>
+  </p:cSld>
+  <p:clrMapOvr>
+    <a:masterClrMapping/>
+  </p:clrMapOvr>
+</p:sld>
+</file>
+
+<file path=ppt/slides/slide20.xml><?xml version="1.0" encoding="utf-8"?>
+<p:sld xmlns:a="http://schemas.openxmlformats.org/drawingml/2006/main" xmlns:r="http://schemas.openxmlformats.org/officeDocument/2006/relationships" xmlns:p="http://schemas.openxmlformats.org/presentationml/2006/main">
+  <p:cSld>
+    <p:spTree>
+      <p:nvGrpSpPr>
+        <p:cNvPr id="1" name=""/>
+        <p:cNvGrpSpPr/>
+        <p:nvPr/>
+      </p:nvGrpSpPr>
+      <p:grpSpPr>
+        <a:xfrm>
+          <a:off x="0" y="0"/>
+          <a:ext cx="0" cy="0"/>
+          <a:chOff x="0" y="0"/>
+          <a:chExt cx="0" cy="0"/>
+        </a:xfrm>
+      </p:grpSpPr>
+      <p:sp>
+        <p:nvSpPr>
+          <p:cNvPr id="2" name="Title 1">
+            <a:extLst>
+              <a:ext uri="{FF2B5EF4-FFF2-40B4-BE49-F238E27FC236}">
+                <a16:creationId xmlns:a16="http://schemas.microsoft.com/office/drawing/2014/main" id="{8B76D795-3E8B-C240-8875-20EB527B9857}"/>
+              </a:ext>
+            </a:extLst>
+          </p:cNvPr>
+          <p:cNvSpPr>
+            <a:spLocks noGrp="1"/>
+          </p:cNvSpPr>
+          <p:nvPr>
+            <p:ph type="title"/>
+          </p:nvPr>
+        </p:nvSpPr>
+        <p:spPr/>
+        <p:txBody>
+          <a:bodyPr/>
+          <a:lstStyle/>
+          <a:p>
+            <a:endParaRPr lang="en-US" dirty="0"/>
+          </a:p>
+        </p:txBody>
+      </p:sp>
+      <p:sp>
+        <p:nvSpPr>
+          <p:cNvPr id="3" name="Content Placeholder 2">
+            <a:extLst>
+              <a:ext uri="{FF2B5EF4-FFF2-40B4-BE49-F238E27FC236}">
+                <a16:creationId xmlns:a16="http://schemas.microsoft.com/office/drawing/2014/main" id="{DD1EEA0C-B711-B94A-B930-EBB607559761}"/>
+              </a:ext>
+            </a:extLst>
+          </p:cNvPr>
+          <p:cNvSpPr>
+            <a:spLocks noGrp="1"/>
+          </p:cNvSpPr>
+          <p:nvPr>
+            <p:ph idx="1"/>
+          </p:nvPr>
+        </p:nvSpPr>
+        <p:spPr/>
+        <p:txBody>
+          <a:bodyPr/>
+          <a:lstStyle/>
+          <a:p>
+            <a:r>
+              <a:rPr lang="en-US" dirty="0"/>
+              <a:t>regression</a:t>
+            </a:r>
+          </a:p>
+          <a:p>
+            <a:r>
+              <a:rPr lang="en-US" dirty="0"/>
+              <a:t>Share price</a:t>
+            </a:r>
+          </a:p>
+          <a:p>
+            <a:r>
+              <a:rPr lang="en-US" dirty="0" err="1"/>
+              <a:t>Ind_vars</a:t>
+            </a:r>
+            <a:r>
+              <a:rPr lang="en-US" dirty="0"/>
+              <a:t>: </a:t>
+            </a:r>
+            <a:r>
+              <a:rPr lang="en-US" dirty="0" err="1"/>
+              <a:t>current_ratio</a:t>
+            </a:r>
+            <a:r>
+              <a:rPr lang="en-US" dirty="0"/>
+              <a:t>, de, eps, pe, pb</a:t>
+            </a:r>
+          </a:p>
+          <a:p>
+            <a:endParaRPr lang="en-US" dirty="0"/>
+          </a:p>
+        </p:txBody>
+      </p:sp>
+    </p:spTree>
+    <p:extLst>
+      <p:ext uri="{BB962C8B-B14F-4D97-AF65-F5344CB8AC3E}">
+        <p14:creationId xmlns:p14="http://schemas.microsoft.com/office/powerpoint/2010/main" val="1503417598"/>
+      </p:ext>
+    </p:extLst>
+  </p:cSld>
+  <p:clrMapOvr>
+    <a:masterClrMapping/>
+  </p:clrMapOvr>
+</p:sld>
+</file>
+
+<file path=ppt/slides/slide21.xml><?xml version="1.0" encoding="utf-8"?>
+<p:sld xmlns:a="http://schemas.openxmlformats.org/drawingml/2006/main" xmlns:r="http://schemas.openxmlformats.org/officeDocument/2006/relationships" xmlns:p="http://schemas.openxmlformats.org/presentationml/2006/main">
+  <p:cSld>
+    <p:spTree>
+      <p:nvGrpSpPr>
+        <p:cNvPr id="1" name=""/>
+        <p:cNvGrpSpPr/>
+        <p:nvPr/>
+      </p:nvGrpSpPr>
+      <p:grpSpPr>
+        <a:xfrm>
+          <a:off x="0" y="0"/>
+          <a:ext cx="0" cy="0"/>
+          <a:chOff x="0" y="0"/>
+          <a:chExt cx="0" cy="0"/>
+        </a:xfrm>
+      </p:grpSpPr>
+      <p:sp>
+        <p:nvSpPr>
+          <p:cNvPr id="2" name="Title 1">
+            <a:extLst>
+              <a:ext uri="{FF2B5EF4-FFF2-40B4-BE49-F238E27FC236}">
+                <a16:creationId xmlns:a16="http://schemas.microsoft.com/office/drawing/2014/main" id="{913163B1-8837-CC46-AEDA-BCF1076A3498}"/>
+              </a:ext>
+            </a:extLst>
+          </p:cNvPr>
+          <p:cNvSpPr>
+            <a:spLocks noGrp="1"/>
+          </p:cNvSpPr>
+          <p:nvPr>
+            <p:ph type="title"/>
+          </p:nvPr>
+        </p:nvSpPr>
+        <p:spPr/>
+        <p:txBody>
+          <a:bodyPr/>
+          <a:lstStyle/>
+          <a:p>
+            <a:r>
+              <a:rPr lang="en-US" dirty="0"/>
+              <a:t>Reference</a:t>
+            </a:r>
+          </a:p>
+        </p:txBody>
+      </p:sp>
+      <p:sp>
+        <p:nvSpPr>
+          <p:cNvPr id="3" name="Content Placeholder 2">
+            <a:extLst>
+              <a:ext uri="{FF2B5EF4-FFF2-40B4-BE49-F238E27FC236}">
+                <a16:creationId xmlns:a16="http://schemas.microsoft.com/office/drawing/2014/main" id="{E67512A5-C3C6-CD4A-BE5B-1648F8656DB9}"/>
+              </a:ext>
+            </a:extLst>
+          </p:cNvPr>
+          <p:cNvSpPr>
+            <a:spLocks noGrp="1"/>
+          </p:cNvSpPr>
+          <p:nvPr>
+            <p:ph idx="1"/>
+          </p:nvPr>
+        </p:nvSpPr>
+        <p:spPr/>
+        <p:txBody>
+          <a:bodyPr/>
+          <a:lstStyle/>
+          <a:p>
+            <a:r>
+              <a:rPr lang="en-US" dirty="0"/>
+              <a:t>ASX, 2021, Historical market statistics, </a:t>
+            </a:r>
+            <a:r>
+              <a:rPr lang="en-US" i="1" dirty="0"/>
+              <a:t>ASX</a:t>
+            </a:r>
+            <a:r>
+              <a:rPr lang="en-US" dirty="0"/>
+              <a:t>, viewed on 28</a:t>
+            </a:r>
+            <a:r>
+              <a:rPr lang="en-US" baseline="30000" dirty="0"/>
+              <a:t>th</a:t>
+            </a:r>
+            <a:r>
+              <a:rPr lang="en-US" dirty="0"/>
+              <a:t> Jan 2021 (</a:t>
+            </a:r>
+            <a:r>
+              <a:rPr lang="en-US" dirty="0">
+                <a:hlinkClick r:id="rId2"/>
+              </a:rPr>
+              <a:t>https://www2.asx.com.au/about/market-statistics/historical-market-statistics</a:t>
+            </a:r>
+            <a:r>
+              <a:rPr lang="en-US" dirty="0"/>
+              <a:t>).</a:t>
+            </a:r>
+          </a:p>
+          <a:p>
+            <a:r>
+              <a:rPr lang="en-US" dirty="0"/>
+              <a:t>RBA, 2021, Cash Rate Target, </a:t>
+            </a:r>
+            <a:r>
+              <a:rPr lang="en-US" i="1" dirty="0"/>
+              <a:t>Reserve Bank of Australia</a:t>
+            </a:r>
+            <a:r>
+              <a:rPr lang="en-US" dirty="0"/>
+              <a:t>, viewed on 28</a:t>
+            </a:r>
+            <a:r>
+              <a:rPr lang="en-US" baseline="30000" dirty="0"/>
+              <a:t>th</a:t>
+            </a:r>
+            <a:r>
+              <a:rPr lang="en-US" dirty="0"/>
+              <a:t> Jan 2021 (</a:t>
+            </a:r>
+            <a:r>
+              <a:rPr lang="en-US" dirty="0">
+                <a:hlinkClick r:id="rId3"/>
+              </a:rPr>
+              <a:t>https://www.rba.gov.au/statistics/cash-rate/</a:t>
+            </a:r>
+            <a:r>
+              <a:rPr lang="en-US" dirty="0"/>
+              <a:t>). </a:t>
+            </a:r>
+          </a:p>
+          <a:p>
+            <a:r>
+              <a:rPr lang="en-US" dirty="0" err="1"/>
+              <a:t>Vickovich</a:t>
+            </a:r>
+            <a:r>
+              <a:rPr lang="en-US" dirty="0"/>
+              <a:t>, A, 2020, Investors ‘take a punt’ on Australia’s riskiest stocks, </a:t>
+            </a:r>
+            <a:r>
+              <a:rPr lang="en-US" i="1" dirty="0"/>
+              <a:t>Australian Financial Review</a:t>
+            </a:r>
+            <a:r>
+              <a:rPr lang="en-US" dirty="0"/>
+              <a:t>. </a:t>
+            </a:r>
+          </a:p>
+          <a:p>
+            <a:endParaRPr lang="en-US" dirty="0"/>
+          </a:p>
+        </p:txBody>
+      </p:sp>
+    </p:spTree>
+    <p:extLst>
+      <p:ext uri="{BB962C8B-B14F-4D97-AF65-F5344CB8AC3E}">
+        <p14:creationId xmlns:p14="http://schemas.microsoft.com/office/powerpoint/2010/main" val="1585753198"/>
+      </p:ext>
+    </p:extLst>
+  </p:cSld>
+  <p:clrMapOvr>
+    <a:masterClrMapping/>
+  </p:clrMapOvr>
+</p:sld>
+</file>
+
+<file path=ppt/slides/slide22.xml><?xml version="1.0" encoding="utf-8"?>
+<p:sld xmlns:a="http://schemas.openxmlformats.org/drawingml/2006/main" xmlns:r="http://schemas.openxmlformats.org/officeDocument/2006/relationships" xmlns:p="http://schemas.openxmlformats.org/presentationml/2006/main">
+  <p:cSld>
+    <p:spTree>
+      <p:nvGrpSpPr>
+        <p:cNvPr id="1" name=""/>
+        <p:cNvGrpSpPr/>
+        <p:nvPr/>
+      </p:nvGrpSpPr>
+      <p:grpSpPr>
+        <a:xfrm>
+          <a:off x="0" y="0"/>
+          <a:ext cx="0" cy="0"/>
+          <a:chOff x="0" y="0"/>
+          <a:chExt cx="0" cy="0"/>
+        </a:xfrm>
+      </p:grpSpPr>
+      <p:sp>
+        <p:nvSpPr>
+          <p:cNvPr id="2" name="Title 1">
+            <a:extLst>
+              <a:ext uri="{FF2B5EF4-FFF2-40B4-BE49-F238E27FC236}">
+                <a16:creationId xmlns:a16="http://schemas.microsoft.com/office/drawing/2014/main" id="{419A86F4-AB7B-D240-81D1-16793792DA36}"/>
+              </a:ext>
+            </a:extLst>
+          </p:cNvPr>
+          <p:cNvSpPr>
+            <a:spLocks noGrp="1"/>
+          </p:cNvSpPr>
+          <p:nvPr>
+            <p:ph type="title"/>
+          </p:nvPr>
+        </p:nvSpPr>
+        <p:spPr/>
+        <p:txBody>
+          <a:bodyPr/>
+          <a:lstStyle/>
+          <a:p>
+            <a:r>
+              <a:rPr lang="en-US" dirty="0"/>
+              <a:t>Appendix 1 – distribution graph (including transformed variables)</a:t>
+            </a:r>
+          </a:p>
+        </p:txBody>
+      </p:sp>
+      <p:sp>
+        <p:nvSpPr>
+          <p:cNvPr id="3" name="Content Placeholder 2">
+            <a:extLst>
+              <a:ext uri="{FF2B5EF4-FFF2-40B4-BE49-F238E27FC236}">
+                <a16:creationId xmlns:a16="http://schemas.microsoft.com/office/drawing/2014/main" id="{5D33BD1A-96C0-AA45-B4C9-EEE6C5A4ABE7}"/>
+              </a:ext>
+            </a:extLst>
+          </p:cNvPr>
+          <p:cNvSpPr>
+            <a:spLocks noGrp="1"/>
+          </p:cNvSpPr>
+          <p:nvPr>
+            <p:ph idx="1"/>
+          </p:nvPr>
+        </p:nvSpPr>
+        <p:spPr/>
+        <p:txBody>
+          <a:bodyPr/>
+          <a:lstStyle/>
+          <a:p>
+            <a:endParaRPr lang="en-US"/>
+          </a:p>
+        </p:txBody>
+      </p:sp>
+    </p:spTree>
+    <p:extLst>
+      <p:ext uri="{BB962C8B-B14F-4D97-AF65-F5344CB8AC3E}">
+        <p14:creationId xmlns:p14="http://schemas.microsoft.com/office/powerpoint/2010/main" val="3470852533"/>
+      </p:ext>
+    </p:extLst>
+  </p:cSld>
+  <p:clrMapOvr>
+    <a:masterClrMapping/>
+  </p:clrMapOvr>
+</p:sld>
+</file>
+
+<file path=ppt/slides/slide23.xml><?xml version="1.0" encoding="utf-8"?>
+<p:sld xmlns:a="http://schemas.openxmlformats.org/drawingml/2006/main" xmlns:r="http://schemas.openxmlformats.org/officeDocument/2006/relationships" xmlns:p="http://schemas.openxmlformats.org/presentationml/2006/main">
+  <p:cSld>
+    <p:spTree>
+      <p:nvGrpSpPr>
+        <p:cNvPr id="1" name=""/>
+        <p:cNvGrpSpPr/>
+        <p:nvPr/>
+      </p:nvGrpSpPr>
+      <p:grpSpPr>
+        <a:xfrm>
+          <a:off x="0" y="0"/>
+          <a:ext cx="0" cy="0"/>
+          <a:chOff x="0" y="0"/>
+          <a:chExt cx="0" cy="0"/>
+        </a:xfrm>
+      </p:grpSpPr>
+      <p:sp>
+        <p:nvSpPr>
+          <p:cNvPr id="2" name="Title 1">
+            <a:extLst>
+              <a:ext uri="{FF2B5EF4-FFF2-40B4-BE49-F238E27FC236}">
+                <a16:creationId xmlns:a16="http://schemas.microsoft.com/office/drawing/2014/main" id="{2A9EA7C4-82A3-C040-8BF4-0700F032187B}"/>
+              </a:ext>
+            </a:extLst>
+          </p:cNvPr>
+          <p:cNvSpPr>
+            <a:spLocks noGrp="1"/>
+          </p:cNvSpPr>
+          <p:nvPr>
+            <p:ph type="title"/>
+          </p:nvPr>
+        </p:nvSpPr>
+        <p:spPr/>
+        <p:txBody>
+          <a:bodyPr/>
+          <a:lstStyle/>
+          <a:p>
+            <a:r>
+              <a:rPr lang="en-US" dirty="0"/>
+              <a:t>Appendix 2 – bar graph - variables in each sector</a:t>
+            </a:r>
+          </a:p>
+        </p:txBody>
+      </p:sp>
+      <p:sp>
+        <p:nvSpPr>
+          <p:cNvPr id="3" name="Content Placeholder 2">
+            <a:extLst>
+              <a:ext uri="{FF2B5EF4-FFF2-40B4-BE49-F238E27FC236}">
+                <a16:creationId xmlns:a16="http://schemas.microsoft.com/office/drawing/2014/main" id="{8525A622-5637-BD45-8D77-40DEB442A0E9}"/>
+              </a:ext>
+            </a:extLst>
+          </p:cNvPr>
+          <p:cNvSpPr>
+            <a:spLocks noGrp="1"/>
+          </p:cNvSpPr>
+          <p:nvPr>
+            <p:ph idx="1"/>
+          </p:nvPr>
+        </p:nvSpPr>
+        <p:spPr/>
+        <p:txBody>
+          <a:bodyPr/>
+          <a:lstStyle/>
+          <a:p>
+            <a:r>
+              <a:rPr lang="en-US" dirty="0"/>
+              <a:t>Return</a:t>
+            </a:r>
+          </a:p>
+          <a:p>
+            <a:r>
+              <a:rPr lang="en-US" dirty="0"/>
+              <a:t>Current ratio</a:t>
+            </a:r>
+          </a:p>
+          <a:p>
+            <a:r>
+              <a:rPr lang="en-US" dirty="0"/>
+              <a:t>DE</a:t>
+            </a:r>
+          </a:p>
+          <a:p>
+            <a:r>
+              <a:rPr lang="en-US" dirty="0"/>
+              <a:t>EPS</a:t>
+            </a:r>
+          </a:p>
+          <a:p>
+            <a:r>
+              <a:rPr lang="en-US" dirty="0"/>
+              <a:t>PE</a:t>
+            </a:r>
+          </a:p>
+          <a:p>
+            <a:r>
+              <a:rPr lang="en-US" dirty="0"/>
+              <a:t>PB</a:t>
+            </a:r>
+          </a:p>
+        </p:txBody>
+      </p:sp>
+    </p:spTree>
+    <p:extLst>
+      <p:ext uri="{BB962C8B-B14F-4D97-AF65-F5344CB8AC3E}">
+        <p14:creationId xmlns:p14="http://schemas.microsoft.com/office/powerpoint/2010/main" val="2216658762"/>
+      </p:ext>
+    </p:extLst>
+  </p:cSld>
+  <p:clrMapOvr>
+    <a:masterClrMapping/>
+  </p:clrMapOvr>
+</p:sld>
+</file>
+
+<file path=ppt/slides/slide24.xml><?xml version="1.0" encoding="utf-8"?>
+<p:sld xmlns:a="http://schemas.openxmlformats.org/drawingml/2006/main" xmlns:r="http://schemas.openxmlformats.org/officeDocument/2006/relationships" xmlns:p="http://schemas.openxmlformats.org/presentationml/2006/main">
+  <p:cSld>
+    <p:spTree>
+      <p:nvGrpSpPr>
+        <p:cNvPr id="1" name=""/>
+        <p:cNvGrpSpPr/>
+        <p:nvPr/>
+      </p:nvGrpSpPr>
+      <p:grpSpPr>
+        <a:xfrm>
+          <a:off x="0" y="0"/>
+          <a:ext cx="0" cy="0"/>
+          <a:chOff x="0" y="0"/>
+          <a:chExt cx="0" cy="0"/>
+        </a:xfrm>
+      </p:grpSpPr>
+      <p:sp>
+        <p:nvSpPr>
+          <p:cNvPr id="2" name="Title 1">
+            <a:extLst>
+              <a:ext uri="{FF2B5EF4-FFF2-40B4-BE49-F238E27FC236}">
+                <a16:creationId xmlns:a16="http://schemas.microsoft.com/office/drawing/2014/main" id="{14DCA01F-90AB-294C-ADA3-1D6F0F5A0647}"/>
+              </a:ext>
+            </a:extLst>
+          </p:cNvPr>
+          <p:cNvSpPr>
+            <a:spLocks noGrp="1"/>
+          </p:cNvSpPr>
+          <p:nvPr>
+            <p:ph type="title"/>
+          </p:nvPr>
+        </p:nvSpPr>
+        <p:spPr/>
+        <p:txBody>
+          <a:bodyPr/>
+          <a:lstStyle/>
+          <a:p>
+            <a:r>
+              <a:rPr lang="en-US" dirty="0"/>
+              <a:t>Appendix 3 – bar plots for each var (positive vs negative returns)</a:t>
+            </a:r>
+          </a:p>
+        </p:txBody>
+      </p:sp>
+      <p:sp>
+        <p:nvSpPr>
+          <p:cNvPr id="3" name="Content Placeholder 2">
+            <a:extLst>
+              <a:ext uri="{FF2B5EF4-FFF2-40B4-BE49-F238E27FC236}">
+                <a16:creationId xmlns:a16="http://schemas.microsoft.com/office/drawing/2014/main" id="{A31594DB-C83C-9F44-8A6E-5A547E211264}"/>
+              </a:ext>
+            </a:extLst>
+          </p:cNvPr>
+          <p:cNvSpPr>
+            <a:spLocks noGrp="1"/>
+          </p:cNvSpPr>
+          <p:nvPr>
+            <p:ph idx="1"/>
+          </p:nvPr>
+        </p:nvSpPr>
+        <p:spPr/>
+        <p:txBody>
+          <a:bodyPr/>
+          <a:lstStyle/>
+          <a:p>
+            <a:endParaRPr lang="en-US"/>
+          </a:p>
+        </p:txBody>
+      </p:sp>
+    </p:spTree>
+    <p:extLst>
+      <p:ext uri="{BB962C8B-B14F-4D97-AF65-F5344CB8AC3E}">
+        <p14:creationId xmlns:p14="http://schemas.microsoft.com/office/powerpoint/2010/main" val="2477241197"/>
+      </p:ext>
+    </p:extLst>
+  </p:cSld>
+  <p:clrMapOvr>
+    <a:masterClrMapping/>
+  </p:clrMapOvr>
+</p:sld>
+</file>
+
+<file path=ppt/slides/slide25.xml><?xml version="1.0" encoding="utf-8"?>
+<p:sld xmlns:a="http://schemas.openxmlformats.org/drawingml/2006/main" xmlns:r="http://schemas.openxmlformats.org/officeDocument/2006/relationships" xmlns:p="http://schemas.openxmlformats.org/presentationml/2006/main">
+  <p:cSld>
+    <p:spTree>
+      <p:nvGrpSpPr>
+        <p:cNvPr id="1" name=""/>
+        <p:cNvGrpSpPr/>
+        <p:nvPr/>
+      </p:nvGrpSpPr>
+      <p:grpSpPr>
+        <a:xfrm>
+          <a:off x="0" y="0"/>
+          <a:ext cx="0" cy="0"/>
+          <a:chOff x="0" y="0"/>
+          <a:chExt cx="0" cy="0"/>
+        </a:xfrm>
+      </p:grpSpPr>
+      <p:sp>
+        <p:nvSpPr>
+          <p:cNvPr id="2" name="Title 1">
+            <a:extLst>
+              <a:ext uri="{FF2B5EF4-FFF2-40B4-BE49-F238E27FC236}">
+                <a16:creationId xmlns:a16="http://schemas.microsoft.com/office/drawing/2014/main" id="{F692B415-0A17-1E41-B0E0-30D677E7C1C6}"/>
+              </a:ext>
+            </a:extLst>
+          </p:cNvPr>
+          <p:cNvSpPr>
+            <a:spLocks noGrp="1"/>
+          </p:cNvSpPr>
+          <p:nvPr>
+            <p:ph type="title"/>
+          </p:nvPr>
+        </p:nvSpPr>
+        <p:spPr/>
+        <p:txBody>
+          <a:bodyPr/>
+          <a:lstStyle/>
+          <a:p>
+            <a:r>
+              <a:rPr lang="en-US" dirty="0"/>
+              <a:t>Appendix 4 – Time series for each variables (all, positive, negative in same graph)</a:t>
+            </a:r>
+          </a:p>
+        </p:txBody>
+      </p:sp>
+      <p:sp>
+        <p:nvSpPr>
+          <p:cNvPr id="3" name="Content Placeholder 2">
+            <a:extLst>
+              <a:ext uri="{FF2B5EF4-FFF2-40B4-BE49-F238E27FC236}">
+                <a16:creationId xmlns:a16="http://schemas.microsoft.com/office/drawing/2014/main" id="{56596E81-151F-744B-BF39-AD41C037561A}"/>
+              </a:ext>
+            </a:extLst>
+          </p:cNvPr>
+          <p:cNvSpPr>
+            <a:spLocks noGrp="1"/>
+          </p:cNvSpPr>
+          <p:nvPr>
+            <p:ph idx="1"/>
+          </p:nvPr>
+        </p:nvSpPr>
+        <p:spPr/>
+        <p:txBody>
+          <a:bodyPr/>
+          <a:lstStyle/>
+          <a:p>
+            <a:endParaRPr lang="en-US" dirty="0"/>
+          </a:p>
+        </p:txBody>
+      </p:sp>
+    </p:spTree>
+    <p:extLst>
+      <p:ext uri="{BB962C8B-B14F-4D97-AF65-F5344CB8AC3E}">
+        <p14:creationId xmlns:p14="http://schemas.microsoft.com/office/powerpoint/2010/main" val="1990875616"/>
       </p:ext>
     </p:extLst>
   </p:cSld>
@@ -4164,7 +5314,7 @@
           <p:cNvPr id="2" name="Title 1">
             <a:extLst>
               <a:ext uri="{FF2B5EF4-FFF2-40B4-BE49-F238E27FC236}">
-                <a16:creationId xmlns:a16="http://schemas.microsoft.com/office/drawing/2014/main" id="{178219F4-7D5E-8943-8837-A436F08768B9}"/>
+                <a16:creationId xmlns:a16="http://schemas.microsoft.com/office/drawing/2014/main" id="{80F079BD-8899-724C-AFA2-C1BA3394ABE7}"/>
               </a:ext>
             </a:extLst>
           </p:cNvPr>
@@ -4182,7 +5332,7 @@
           <a:p>
             <a:r>
               <a:rPr lang="en-US" dirty="0"/>
-              <a:t>Pipeline</a:t>
+              <a:t>Background </a:t>
             </a:r>
           </a:p>
         </p:txBody>
@@ -4192,7 +5342,7 @@
           <p:cNvPr id="3" name="Content Placeholder 2">
             <a:extLst>
               <a:ext uri="{FF2B5EF4-FFF2-40B4-BE49-F238E27FC236}">
-                <a16:creationId xmlns:a16="http://schemas.microsoft.com/office/drawing/2014/main" id="{EB19B787-ED9C-F14C-96A4-82A3A9097180}"/>
+                <a16:creationId xmlns:a16="http://schemas.microsoft.com/office/drawing/2014/main" id="{C56C97A2-2F4B-404D-981D-7564986E0B9A}"/>
               </a:ext>
             </a:extLst>
           </p:cNvPr>
@@ -4205,8 +5355,45 @@
         </p:nvSpPr>
         <p:spPr/>
         <p:txBody>
-          <a:bodyPr/>
-          <a:lstStyle/>
+          <a:bodyPr>
+            <a:normAutofit/>
+          </a:bodyPr>
+          <a:lstStyle/>
+          <a:p>
+            <a:r>
+              <a:rPr lang="en-US" dirty="0"/>
+              <a:t>The market capitalization of the Australian Securities Exchange has increased from $1.629 trillion as at December 2015 to $2.237 trillion as at December 2020 (ASX, 2021). </a:t>
+            </a:r>
+          </a:p>
+          <a:p>
+            <a:r>
+              <a:rPr lang="en-US" dirty="0"/>
+              <a:t>With a low cash rate of 0.10% (effectively from 2 December (RBA,2021)), many retail investors are investing more into Australian share market (</a:t>
+            </a:r>
+            <a:r>
+              <a:rPr lang="en-US" dirty="0" err="1"/>
+              <a:t>Vickovich</a:t>
+            </a:r>
+            <a:r>
+              <a:rPr lang="en-US" dirty="0"/>
+              <a:t>, 2020). </a:t>
+            </a:r>
+          </a:p>
+          <a:p>
+            <a:r>
+              <a:rPr lang="en-US" dirty="0"/>
+              <a:t>However, the market is risky, volatile and uncertain. </a:t>
+            </a:r>
+          </a:p>
+          <a:p>
+            <a:r>
+              <a:rPr lang="en-US" dirty="0"/>
+              <a:t>These investors may not outperform the market. </a:t>
+            </a:r>
+          </a:p>
+          <a:p>
+            <a:endParaRPr lang="en-US" dirty="0"/>
+          </a:p>
           <a:p>
             <a:endParaRPr lang="en-US" dirty="0"/>
           </a:p>
@@ -4215,7 +5402,7 @@
     </p:spTree>
     <p:extLst>
       <p:ext uri="{BB962C8B-B14F-4D97-AF65-F5344CB8AC3E}">
-        <p14:creationId xmlns:p14="http://schemas.microsoft.com/office/powerpoint/2010/main" val="3329750589"/>
+        <p14:creationId xmlns:p14="http://schemas.microsoft.com/office/powerpoint/2010/main" val="1179023842"/>
       </p:ext>
     </p:extLst>
   </p:cSld>
@@ -4226,506 +5413,6 @@
 </file>
 
 <file path=ppt/slides/slide4.xml><?xml version="1.0" encoding="utf-8"?>
-<p:sld xmlns:a="http://schemas.openxmlformats.org/drawingml/2006/main" xmlns:r="http://schemas.openxmlformats.org/officeDocument/2006/relationships" xmlns:p="http://schemas.openxmlformats.org/presentationml/2006/main">
-  <p:cSld>
-    <p:spTree>
-      <p:nvGrpSpPr>
-        <p:cNvPr id="1" name=""/>
-        <p:cNvGrpSpPr/>
-        <p:nvPr/>
-      </p:nvGrpSpPr>
-      <p:grpSpPr>
-        <a:xfrm>
-          <a:off x="0" y="0"/>
-          <a:ext cx="0" cy="0"/>
-          <a:chOff x="0" y="0"/>
-          <a:chExt cx="0" cy="0"/>
-        </a:xfrm>
-      </p:grpSpPr>
-      <p:sp>
-        <p:nvSpPr>
-          <p:cNvPr id="2" name="Title 1">
-            <a:extLst>
-              <a:ext uri="{FF2B5EF4-FFF2-40B4-BE49-F238E27FC236}">
-                <a16:creationId xmlns:a16="http://schemas.microsoft.com/office/drawing/2014/main" id="{774B1C73-F41B-8F40-B35C-C83C16645DC8}"/>
-              </a:ext>
-            </a:extLst>
-          </p:cNvPr>
-          <p:cNvSpPr>
-            <a:spLocks noGrp="1"/>
-          </p:cNvSpPr>
-          <p:nvPr>
-            <p:ph type="title"/>
-          </p:nvPr>
-        </p:nvSpPr>
-        <p:spPr/>
-        <p:txBody>
-          <a:bodyPr/>
-          <a:lstStyle/>
-          <a:p>
-            <a:r>
-              <a:rPr lang="en-US" dirty="0"/>
-              <a:t>Business Question</a:t>
-            </a:r>
-          </a:p>
-        </p:txBody>
-      </p:sp>
-      <p:sp>
-        <p:nvSpPr>
-          <p:cNvPr id="3" name="Content Placeholder 2">
-            <a:extLst>
-              <a:ext uri="{FF2B5EF4-FFF2-40B4-BE49-F238E27FC236}">
-                <a16:creationId xmlns:a16="http://schemas.microsoft.com/office/drawing/2014/main" id="{3367E9DB-4B73-CF42-A1E4-2B5EBD13F5F5}"/>
-              </a:ext>
-            </a:extLst>
-          </p:cNvPr>
-          <p:cNvSpPr>
-            <a:spLocks noGrp="1"/>
-          </p:cNvSpPr>
-          <p:nvPr>
-            <p:ph idx="1"/>
-          </p:nvPr>
-        </p:nvSpPr>
-        <p:spPr/>
-        <p:txBody>
-          <a:bodyPr>
-            <a:normAutofit lnSpcReduction="10000"/>
-          </a:bodyPr>
-          <a:lstStyle/>
-          <a:p>
-            <a:r>
-              <a:rPr lang="en-US" dirty="0"/>
-              <a:t>Does value investing portfolio outperform ASX200 index?</a:t>
-            </a:r>
-          </a:p>
-          <a:p>
-            <a:r>
-              <a:rPr lang="en-US" dirty="0"/>
-              <a:t>Objectives</a:t>
-            </a:r>
-          </a:p>
-          <a:p>
-            <a:pPr lvl="1"/>
-            <a:r>
-              <a:rPr lang="en-US" dirty="0"/>
-              <a:t>To examine the relationship between value investing criteria and share price. </a:t>
-            </a:r>
-          </a:p>
-          <a:p>
-            <a:pPr lvl="1"/>
-            <a:r>
-              <a:rPr lang="en-US" dirty="0"/>
-              <a:t>To investigate the relationship between value investing portfolio and ASX 200 index.</a:t>
-            </a:r>
-          </a:p>
-          <a:p>
-            <a:r>
-              <a:rPr lang="en-US" dirty="0"/>
-              <a:t>To determine the value stocks based on value investing criteria using past financial information and observe the trend in share price relative to the ASX200 index.</a:t>
-            </a:r>
-          </a:p>
-          <a:p>
-            <a:r>
-              <a:rPr lang="en-US" dirty="0"/>
-              <a:t>Does the value investing approach works? Would this perform better than the market index in the long-run?</a:t>
-            </a:r>
-          </a:p>
-          <a:p>
-            <a:r>
-              <a:rPr lang="en-US" dirty="0"/>
-              <a:t>We want to know what the return over the last 5 years.</a:t>
-            </a:r>
-          </a:p>
-          <a:p>
-            <a:endParaRPr lang="en-US" dirty="0"/>
-          </a:p>
-        </p:txBody>
-      </p:sp>
-    </p:spTree>
-    <p:extLst>
-      <p:ext uri="{BB962C8B-B14F-4D97-AF65-F5344CB8AC3E}">
-        <p14:creationId xmlns:p14="http://schemas.microsoft.com/office/powerpoint/2010/main" val="3098461100"/>
-      </p:ext>
-    </p:extLst>
-  </p:cSld>
-  <p:clrMapOvr>
-    <a:masterClrMapping/>
-  </p:clrMapOvr>
-</p:sld>
-</file>
-
-<file path=ppt/slides/slide5.xml><?xml version="1.0" encoding="utf-8"?>
-<p:sld xmlns:a="http://schemas.openxmlformats.org/drawingml/2006/main" xmlns:r="http://schemas.openxmlformats.org/officeDocument/2006/relationships" xmlns:p="http://schemas.openxmlformats.org/presentationml/2006/main">
-  <p:cSld>
-    <p:spTree>
-      <p:nvGrpSpPr>
-        <p:cNvPr id="1" name=""/>
-        <p:cNvGrpSpPr/>
-        <p:nvPr/>
-      </p:nvGrpSpPr>
-      <p:grpSpPr>
-        <a:xfrm>
-          <a:off x="0" y="0"/>
-          <a:ext cx="0" cy="0"/>
-          <a:chOff x="0" y="0"/>
-          <a:chExt cx="0" cy="0"/>
-        </a:xfrm>
-      </p:grpSpPr>
-      <p:sp>
-        <p:nvSpPr>
-          <p:cNvPr id="2" name="Title 1">
-            <a:extLst>
-              <a:ext uri="{FF2B5EF4-FFF2-40B4-BE49-F238E27FC236}">
-                <a16:creationId xmlns:a16="http://schemas.microsoft.com/office/drawing/2014/main" id="{7F82415B-F26C-404D-9AEE-7EFA5F76393F}"/>
-              </a:ext>
-            </a:extLst>
-          </p:cNvPr>
-          <p:cNvSpPr>
-            <a:spLocks noGrp="1"/>
-          </p:cNvSpPr>
-          <p:nvPr>
-            <p:ph type="title"/>
-          </p:nvPr>
-        </p:nvSpPr>
-        <p:spPr/>
-        <p:txBody>
-          <a:bodyPr/>
-          <a:lstStyle/>
-          <a:p>
-            <a:r>
-              <a:rPr lang="en-US" dirty="0"/>
-              <a:t>Data question</a:t>
-            </a:r>
-          </a:p>
-        </p:txBody>
-      </p:sp>
-      <p:sp>
-        <p:nvSpPr>
-          <p:cNvPr id="3" name="Content Placeholder 2">
-            <a:extLst>
-              <a:ext uri="{FF2B5EF4-FFF2-40B4-BE49-F238E27FC236}">
-                <a16:creationId xmlns:a16="http://schemas.microsoft.com/office/drawing/2014/main" id="{1C5D5E81-85AB-2841-B67A-0CDAD5A64979}"/>
-              </a:ext>
-            </a:extLst>
-          </p:cNvPr>
-          <p:cNvSpPr>
-            <a:spLocks noGrp="1"/>
-          </p:cNvSpPr>
-          <p:nvPr>
-            <p:ph idx="1"/>
-          </p:nvPr>
-        </p:nvSpPr>
-        <p:spPr/>
-        <p:txBody>
-          <a:bodyPr/>
-          <a:lstStyle/>
-          <a:p>
-            <a:r>
-              <a:rPr lang="en-US" dirty="0"/>
-              <a:t>How can we use historical financial data to identify the under-value firms.</a:t>
-            </a:r>
-          </a:p>
-          <a:p>
-            <a:endParaRPr lang="en-US" dirty="0"/>
-          </a:p>
-        </p:txBody>
-      </p:sp>
-    </p:spTree>
-    <p:extLst>
-      <p:ext uri="{BB962C8B-B14F-4D97-AF65-F5344CB8AC3E}">
-        <p14:creationId xmlns:p14="http://schemas.microsoft.com/office/powerpoint/2010/main" val="735383713"/>
-      </p:ext>
-    </p:extLst>
-  </p:cSld>
-  <p:clrMapOvr>
-    <a:masterClrMapping/>
-  </p:clrMapOvr>
-</p:sld>
-</file>
-
-<file path=ppt/slides/slide6.xml><?xml version="1.0" encoding="utf-8"?>
-<p:sld xmlns:a="http://schemas.openxmlformats.org/drawingml/2006/main" xmlns:r="http://schemas.openxmlformats.org/officeDocument/2006/relationships" xmlns:p="http://schemas.openxmlformats.org/presentationml/2006/main">
-  <p:cSld>
-    <p:spTree>
-      <p:nvGrpSpPr>
-        <p:cNvPr id="1" name=""/>
-        <p:cNvGrpSpPr/>
-        <p:nvPr/>
-      </p:nvGrpSpPr>
-      <p:grpSpPr>
-        <a:xfrm>
-          <a:off x="0" y="0"/>
-          <a:ext cx="0" cy="0"/>
-          <a:chOff x="0" y="0"/>
-          <a:chExt cx="0" cy="0"/>
-        </a:xfrm>
-      </p:grpSpPr>
-      <p:sp>
-        <p:nvSpPr>
-          <p:cNvPr id="2" name="Title 1">
-            <a:extLst>
-              <a:ext uri="{FF2B5EF4-FFF2-40B4-BE49-F238E27FC236}">
-                <a16:creationId xmlns:a16="http://schemas.microsoft.com/office/drawing/2014/main" id="{811C733A-0405-D74F-858B-524AC9CA7928}"/>
-              </a:ext>
-            </a:extLst>
-          </p:cNvPr>
-          <p:cNvSpPr>
-            <a:spLocks noGrp="1"/>
-          </p:cNvSpPr>
-          <p:nvPr>
-            <p:ph type="title"/>
-          </p:nvPr>
-        </p:nvSpPr>
-        <p:spPr/>
-        <p:txBody>
-          <a:bodyPr/>
-          <a:lstStyle/>
-          <a:p>
-            <a:r>
-              <a:rPr lang="en-US" dirty="0"/>
-              <a:t>Value investing criteria</a:t>
-            </a:r>
-          </a:p>
-        </p:txBody>
-      </p:sp>
-      <p:sp>
-        <p:nvSpPr>
-          <p:cNvPr id="3" name="Content Placeholder 2">
-            <a:extLst>
-              <a:ext uri="{FF2B5EF4-FFF2-40B4-BE49-F238E27FC236}">
-                <a16:creationId xmlns:a16="http://schemas.microsoft.com/office/drawing/2014/main" id="{51E3565B-98CE-784F-843A-7FB10AF4136F}"/>
-              </a:ext>
-            </a:extLst>
-          </p:cNvPr>
-          <p:cNvSpPr>
-            <a:spLocks noGrp="1"/>
-          </p:cNvSpPr>
-          <p:nvPr>
-            <p:ph idx="1"/>
-          </p:nvPr>
-        </p:nvSpPr>
-        <p:spPr/>
-        <p:txBody>
-          <a:bodyPr/>
-          <a:lstStyle/>
-          <a:p>
-            <a:r>
-              <a:rPr lang="en-US" dirty="0"/>
-              <a:t>We have selected the firms in 2015 to compare the value investing and ASX200 index over the past 5 years (rather than a short term returns)</a:t>
-            </a:r>
-          </a:p>
-          <a:p>
-            <a:r>
-              <a:rPr lang="en-US" dirty="0"/>
-              <a:t>Criteria</a:t>
-            </a:r>
-          </a:p>
-          <a:p>
-            <a:pPr marL="914400" lvl="1" indent="-457200">
-              <a:buFont typeface="+mj-lt"/>
-              <a:buAutoNum type="arabicPeriod"/>
-            </a:pPr>
-            <a:r>
-              <a:rPr lang="en-US" dirty="0"/>
-              <a:t>Current ratio &gt;= 1.5</a:t>
-            </a:r>
-          </a:p>
-          <a:p>
-            <a:pPr marL="914400" lvl="1" indent="-457200">
-              <a:buFont typeface="+mj-lt"/>
-              <a:buAutoNum type="arabicPeriod"/>
-            </a:pPr>
-            <a:r>
-              <a:rPr lang="en-US" dirty="0"/>
-              <a:t>Debt to Equity ratio &lt; 0.5</a:t>
-            </a:r>
-          </a:p>
-          <a:p>
-            <a:pPr marL="914400" lvl="1" indent="-457200">
-              <a:buFont typeface="+mj-lt"/>
-              <a:buAutoNum type="arabicPeriod"/>
-            </a:pPr>
-            <a:r>
-              <a:rPr lang="en-US" dirty="0"/>
-              <a:t>Earnings per share = increase in EPS for the last two consecutive years</a:t>
-            </a:r>
-          </a:p>
-          <a:p>
-            <a:pPr marL="914400" lvl="1" indent="-457200">
-              <a:buFont typeface="+mj-lt"/>
-              <a:buAutoNum type="arabicPeriod"/>
-            </a:pPr>
-            <a:r>
-              <a:rPr lang="en-US" dirty="0"/>
-              <a:t>Price to earnings ratio &lt; 15</a:t>
-            </a:r>
-          </a:p>
-          <a:p>
-            <a:pPr marL="914400" lvl="1" indent="-457200">
-              <a:buFont typeface="+mj-lt"/>
-              <a:buAutoNum type="arabicPeriod"/>
-            </a:pPr>
-            <a:r>
-              <a:rPr lang="en-US" dirty="0"/>
-              <a:t>Price to book value per share &lt; 1.5</a:t>
-            </a:r>
-          </a:p>
-          <a:p>
-            <a:endParaRPr lang="en-US" dirty="0"/>
-          </a:p>
-        </p:txBody>
-      </p:sp>
-    </p:spTree>
-    <p:extLst>
-      <p:ext uri="{BB962C8B-B14F-4D97-AF65-F5344CB8AC3E}">
-        <p14:creationId xmlns:p14="http://schemas.microsoft.com/office/powerpoint/2010/main" val="2883285082"/>
-      </p:ext>
-    </p:extLst>
-  </p:cSld>
-  <p:clrMapOvr>
-    <a:masterClrMapping/>
-  </p:clrMapOvr>
-</p:sld>
-</file>
-
-<file path=ppt/slides/slide7.xml><?xml version="1.0" encoding="utf-8"?>
-<p:sld xmlns:a="http://schemas.openxmlformats.org/drawingml/2006/main" xmlns:r="http://schemas.openxmlformats.org/officeDocument/2006/relationships" xmlns:p="http://schemas.openxmlformats.org/presentationml/2006/main">
-  <p:cSld>
-    <p:spTree>
-      <p:nvGrpSpPr>
-        <p:cNvPr id="1" name=""/>
-        <p:cNvGrpSpPr/>
-        <p:nvPr/>
-      </p:nvGrpSpPr>
-      <p:grpSpPr>
-        <a:xfrm>
-          <a:off x="0" y="0"/>
-          <a:ext cx="0" cy="0"/>
-          <a:chOff x="0" y="0"/>
-          <a:chExt cx="0" cy="0"/>
-        </a:xfrm>
-      </p:grpSpPr>
-      <p:sp>
-        <p:nvSpPr>
-          <p:cNvPr id="2" name="Title 1">
-            <a:extLst>
-              <a:ext uri="{FF2B5EF4-FFF2-40B4-BE49-F238E27FC236}">
-                <a16:creationId xmlns:a16="http://schemas.microsoft.com/office/drawing/2014/main" id="{7E8817C1-51AB-BC42-8F9B-27A500365100}"/>
-              </a:ext>
-            </a:extLst>
-          </p:cNvPr>
-          <p:cNvSpPr>
-            <a:spLocks noGrp="1"/>
-          </p:cNvSpPr>
-          <p:nvPr>
-            <p:ph type="title"/>
-          </p:nvPr>
-        </p:nvSpPr>
-        <p:spPr/>
-        <p:txBody>
-          <a:bodyPr/>
-          <a:lstStyle/>
-          <a:p>
-            <a:r>
-              <a:rPr lang="en-US" dirty="0"/>
-              <a:t>Methodology</a:t>
-            </a:r>
-          </a:p>
-        </p:txBody>
-      </p:sp>
-      <p:sp>
-        <p:nvSpPr>
-          <p:cNvPr id="3" name="Content Placeholder 2">
-            <a:extLst>
-              <a:ext uri="{FF2B5EF4-FFF2-40B4-BE49-F238E27FC236}">
-                <a16:creationId xmlns:a16="http://schemas.microsoft.com/office/drawing/2014/main" id="{A917E4DF-C4B2-F94B-9FD7-B31E8FB46DBE}"/>
-              </a:ext>
-            </a:extLst>
-          </p:cNvPr>
-          <p:cNvSpPr>
-            <a:spLocks noGrp="1"/>
-          </p:cNvSpPr>
-          <p:nvPr>
-            <p:ph idx="1"/>
-          </p:nvPr>
-        </p:nvSpPr>
-        <p:spPr/>
-        <p:txBody>
-          <a:bodyPr/>
-          <a:lstStyle/>
-          <a:p>
-            <a:r>
-              <a:rPr lang="en-US" dirty="0"/>
-              <a:t>Summary statistics</a:t>
-            </a:r>
-          </a:p>
-          <a:p>
-            <a:r>
-              <a:rPr lang="en-US" dirty="0"/>
-              <a:t>Correlation heatmap</a:t>
-            </a:r>
-          </a:p>
-          <a:p>
-            <a:r>
-              <a:rPr lang="en-US" dirty="0"/>
-              <a:t>Boxplot for all key variables comparison between 2015 and 2019</a:t>
-            </a:r>
-          </a:p>
-          <a:p>
-            <a:pPr lvl="1"/>
-            <a:r>
-              <a:rPr lang="en-US" dirty="0"/>
-              <a:t>May be a line plot??</a:t>
-            </a:r>
-          </a:p>
-          <a:p>
-            <a:r>
-              <a:rPr lang="en-US" dirty="0"/>
-              <a:t>Scatter plot between </a:t>
-            </a:r>
-            <a:r>
-              <a:rPr lang="en-US" dirty="0" err="1"/>
-              <a:t>ind</a:t>
-            </a:r>
-            <a:r>
-              <a:rPr lang="en-US" dirty="0"/>
-              <a:t> vars and share price correlation</a:t>
-            </a:r>
-          </a:p>
-          <a:p>
-            <a:r>
-              <a:rPr lang="en-US" dirty="0"/>
-              <a:t>Cumulative returns from 2015 to today</a:t>
-            </a:r>
-          </a:p>
-          <a:p>
-            <a:r>
-              <a:rPr lang="en-US" dirty="0"/>
-              <a:t>Regression whether the independent variables are associated with share price.</a:t>
-            </a:r>
-          </a:p>
-          <a:p>
-            <a:endParaRPr lang="en-US" dirty="0"/>
-          </a:p>
-          <a:p>
-            <a:endParaRPr lang="en-US" dirty="0"/>
-          </a:p>
-        </p:txBody>
-      </p:sp>
-    </p:spTree>
-    <p:extLst>
-      <p:ext uri="{BB962C8B-B14F-4D97-AF65-F5344CB8AC3E}">
-        <p14:creationId xmlns:p14="http://schemas.microsoft.com/office/powerpoint/2010/main" val="2234893532"/>
-      </p:ext>
-    </p:extLst>
-  </p:cSld>
-  <p:clrMapOvr>
-    <a:masterClrMapping/>
-  </p:clrMapOvr>
-</p:sld>
-</file>
-
-<file path=ppt/slides/slide8.xml><?xml version="1.0" encoding="utf-8"?>
 <p:sld xmlns:a="http://schemas.openxmlformats.org/drawingml/2006/main" xmlns:r="http://schemas.openxmlformats.org/officeDocument/2006/relationships" xmlns:p="http://schemas.openxmlformats.org/presentationml/2006/main">
   <p:cSld>
     <p:bg>
@@ -4752,7 +5439,7 @@
       </p:grpSpPr>
       <p:sp>
         <p:nvSpPr>
-          <p:cNvPr id="73" name="Rectangle 72">
+          <p:cNvPr id="13" name="Rectangle 8">
             <a:extLst>
               <a:ext uri="{FF2B5EF4-FFF2-40B4-BE49-F238E27FC236}">
                 <a16:creationId xmlns:a16="http://schemas.microsoft.com/office/drawing/2014/main" id="{BEE73255-8084-4DF9-BB0B-15EAC92E2CB9}"/>
@@ -4818,7 +5505,7 @@
           <p:cNvPr id="2" name="Title 1">
             <a:extLst>
               <a:ext uri="{FF2B5EF4-FFF2-40B4-BE49-F238E27FC236}">
-                <a16:creationId xmlns:a16="http://schemas.microsoft.com/office/drawing/2014/main" id="{1D0671F0-CC40-0847-A464-B3E0C5B5BE72}"/>
+                <a16:creationId xmlns:a16="http://schemas.microsoft.com/office/drawing/2014/main" id="{7A6721FC-EBA2-6048-AA11-BF97CB5C9EA0}"/>
               </a:ext>
             </a:extLst>
           </p:cNvPr>
@@ -4847,14 +5534,14 @@
                   <a:srgbClr val="2C2C2C"/>
                 </a:solidFill>
               </a:rPr>
-              <a:t>Correlation between key variables (all years)</a:t>
-            </a:r>
-          </a:p>
-        </p:txBody>
-      </p:sp>
-      <p:sp>
-        <p:nvSpPr>
-          <p:cNvPr id="75" name="Rounded Rectangle 9">
+              <a:t>Market ASX200 index and volatility</a:t>
+            </a:r>
+          </a:p>
+        </p:txBody>
+      </p:sp>
+      <p:sp>
+        <p:nvSpPr>
+          <p:cNvPr id="14" name="Rounded Rectangle 9">
             <a:extLst>
               <a:ext uri="{FF2B5EF4-FFF2-40B4-BE49-F238E27FC236}">
                 <a16:creationId xmlns:a16="http://schemas.microsoft.com/office/drawing/2014/main" id="{67048353-8981-459A-9BC6-9711CE462E06}"/>
@@ -4928,32 +5615,26 @@
       </p:sp>
       <p:pic>
         <p:nvPicPr>
-          <p:cNvPr id="1028" name="Picture 4">
-            <a:extLst>
-              <a:ext uri="{FF2B5EF4-FFF2-40B4-BE49-F238E27FC236}">
-                <a16:creationId xmlns:a16="http://schemas.microsoft.com/office/drawing/2014/main" id="{83808C40-AE96-5F46-B78D-8944DF2C1EB6}"/>
+          <p:cNvPr id="4" name="Content Placeholder 3" descr="Chart&#10;&#10;Description automatically generated">
+            <a:extLst>
+              <a:ext uri="{FF2B5EF4-FFF2-40B4-BE49-F238E27FC236}">
+                <a16:creationId xmlns:a16="http://schemas.microsoft.com/office/drawing/2014/main" id="{308CBA9B-4507-7743-BC98-561B3B8ED0F2}"/>
               </a:ext>
             </a:extLst>
           </p:cNvPr>
           <p:cNvPicPr>
-            <a:picLocks noGrp="1" noChangeAspect="1" noChangeArrowheads="1"/>
+            <a:picLocks noGrp="1" noChangeAspect="1"/>
           </p:cNvPicPr>
           <p:nvPr>
             <p:ph idx="1"/>
           </p:nvPr>
         </p:nvPicPr>
         <p:blipFill rotWithShape="1">
-          <a:blip r:embed="rId2">
-            <a:extLst>
-              <a:ext uri="{28A0092B-C50C-407E-A947-70E740481C1C}">
-                <a14:useLocalDpi xmlns:a14="http://schemas.microsoft.com/office/drawing/2010/main" val="0"/>
-              </a:ext>
-            </a:extLst>
-          </a:blip>
-          <a:srcRect r="-1" b="17618"/>
+          <a:blip r:embed="rId2"/>
+          <a:srcRect r="3539"/>
           <a:stretch/>
         </p:blipFill>
-        <p:spPr bwMode="auto">
+        <p:spPr>
           <a:xfrm>
             <a:off x="4062964" y="942538"/>
             <a:ext cx="7163222" cy="4808332"/>
@@ -4961,23 +5642,13 @@
           <a:prstGeom prst="rect">
             <a:avLst/>
           </a:prstGeom>
-          <a:noFill/>
           <a:effectLst/>
-          <a:extLst>
-            <a:ext uri="{909E8E84-426E-40DD-AFC4-6F175D3DCCD1}">
-              <a14:hiddenFill xmlns:a14="http://schemas.microsoft.com/office/drawing/2010/main">
-                <a:solidFill>
-                  <a:srgbClr val="FFFFFF"/>
-                </a:solidFill>
-              </a14:hiddenFill>
-            </a:ext>
-          </a:extLst>
         </p:spPr>
       </p:pic>
     </p:spTree>
     <p:extLst>
       <p:ext uri="{BB962C8B-B14F-4D97-AF65-F5344CB8AC3E}">
-        <p14:creationId xmlns:p14="http://schemas.microsoft.com/office/powerpoint/2010/main" val="1901833855"/>
+        <p14:creationId xmlns:p14="http://schemas.microsoft.com/office/powerpoint/2010/main" val="701322003"/>
       </p:ext>
     </p:extLst>
   </p:cSld>
@@ -4987,7 +5658,7 @@
 </p:sld>
 </file>
 
-<file path=ppt/slides/slide9.xml><?xml version="1.0" encoding="utf-8"?>
+<file path=ppt/slides/slide5.xml><?xml version="1.0" encoding="utf-8"?>
 <p:sld xmlns:a="http://schemas.openxmlformats.org/drawingml/2006/main" xmlns:r="http://schemas.openxmlformats.org/officeDocument/2006/relationships" xmlns:p="http://schemas.openxmlformats.org/presentationml/2006/main">
   <p:cSld>
     <p:spTree>
@@ -5009,7 +5680,7 @@
           <p:cNvPr id="2" name="Title 1">
             <a:extLst>
               <a:ext uri="{FF2B5EF4-FFF2-40B4-BE49-F238E27FC236}">
-                <a16:creationId xmlns:a16="http://schemas.microsoft.com/office/drawing/2014/main" id="{348D41B2-0F68-694A-AFBE-9CD3159CB229}"/>
+                <a16:creationId xmlns:a16="http://schemas.microsoft.com/office/drawing/2014/main" id="{774B1C73-F41B-8F40-B35C-C83C16645DC8}"/>
               </a:ext>
             </a:extLst>
           </p:cNvPr>
@@ -5026,12 +5697,8 @@
           <a:lstStyle/>
           <a:p>
             <a:r>
-              <a:rPr lang="en-US" dirty="0" err="1"/>
-              <a:t>Barplot</a:t>
-            </a:r>
-            <a:r>
-              <a:rPr lang="en-US" dirty="0"/>
-              <a:t>/histogram for each key variables</a:t>
+              <a:rPr lang="en-US" dirty="0"/>
+              <a:t>Business Question</a:t>
             </a:r>
           </a:p>
         </p:txBody>
@@ -5041,7 +5708,7 @@
           <p:cNvPr id="3" name="Content Placeholder 2">
             <a:extLst>
               <a:ext uri="{FF2B5EF4-FFF2-40B4-BE49-F238E27FC236}">
-                <a16:creationId xmlns:a16="http://schemas.microsoft.com/office/drawing/2014/main" id="{B3A726FD-EDA2-4A4A-88A1-7CB9AB3FD801}"/>
+                <a16:creationId xmlns:a16="http://schemas.microsoft.com/office/drawing/2014/main" id="{3367E9DB-4B73-CF42-A1E4-2B5EBD13F5F5}"/>
               </a:ext>
             </a:extLst>
           </p:cNvPr>
@@ -5054,8 +5721,61 @@
         </p:nvSpPr>
         <p:spPr/>
         <p:txBody>
-          <a:bodyPr/>
-          <a:lstStyle/>
+          <a:bodyPr>
+            <a:normAutofit fontScale="92500"/>
+          </a:bodyPr>
+          <a:lstStyle/>
+          <a:p>
+            <a:r>
+              <a:rPr lang="en-US" dirty="0"/>
+              <a:t>Is there a relationship between value portfolio criteria and share price? </a:t>
+            </a:r>
+          </a:p>
+          <a:p>
+            <a:r>
+              <a:rPr lang="en-US" dirty="0"/>
+              <a:t>Can we predict the returns using value investing criteria? </a:t>
+            </a:r>
+          </a:p>
+          <a:p>
+            <a:r>
+              <a:rPr lang="en-US" dirty="0"/>
+              <a:t>Does value investing portfolio outperform ASX200 index for the past 5 years?</a:t>
+            </a:r>
+          </a:p>
+          <a:p>
+            <a:r>
+              <a:rPr lang="en-US" dirty="0"/>
+              <a:t>Objectives</a:t>
+            </a:r>
+          </a:p>
+          <a:p>
+            <a:pPr lvl="1"/>
+            <a:r>
+              <a:rPr lang="en-US" dirty="0"/>
+              <a:t>To determine value investing criteria</a:t>
+            </a:r>
+          </a:p>
+          <a:p>
+            <a:pPr lvl="1"/>
+            <a:r>
+              <a:rPr lang="en-US" dirty="0"/>
+              <a:t>To examine the relationship between value investing criteria and returns</a:t>
+            </a:r>
+          </a:p>
+          <a:p>
+            <a:pPr lvl="1"/>
+            <a:r>
+              <a:rPr lang="en-US" dirty="0"/>
+              <a:t>To investigate the relationship between value investing portfolio and ASX 200 index.</a:t>
+            </a:r>
+          </a:p>
+          <a:p>
+            <a:r>
+              <a:rPr lang="en-US" dirty="0"/>
+              <a:t>Alternative – can value investing criteria predict the share price returns (t+1)? </a:t>
+            </a:r>
+          </a:p>
           <a:p>
             <a:endParaRPr lang="en-US" dirty="0"/>
           </a:p>
@@ -5064,7 +5784,622 @@
     </p:spTree>
     <p:extLst>
       <p:ext uri="{BB962C8B-B14F-4D97-AF65-F5344CB8AC3E}">
-        <p14:creationId xmlns:p14="http://schemas.microsoft.com/office/powerpoint/2010/main" val="3897886316"/>
+        <p14:creationId xmlns:p14="http://schemas.microsoft.com/office/powerpoint/2010/main" val="3098461100"/>
+      </p:ext>
+    </p:extLst>
+  </p:cSld>
+  <p:clrMapOvr>
+    <a:masterClrMapping/>
+  </p:clrMapOvr>
+</p:sld>
+</file>
+
+<file path=ppt/slides/slide6.xml><?xml version="1.0" encoding="utf-8"?>
+<p:sld xmlns:a="http://schemas.openxmlformats.org/drawingml/2006/main" xmlns:r="http://schemas.openxmlformats.org/officeDocument/2006/relationships" xmlns:p="http://schemas.openxmlformats.org/presentationml/2006/main">
+  <p:cSld>
+    <p:spTree>
+      <p:nvGrpSpPr>
+        <p:cNvPr id="1" name=""/>
+        <p:cNvGrpSpPr/>
+        <p:nvPr/>
+      </p:nvGrpSpPr>
+      <p:grpSpPr>
+        <a:xfrm>
+          <a:off x="0" y="0"/>
+          <a:ext cx="0" cy="0"/>
+          <a:chOff x="0" y="0"/>
+          <a:chExt cx="0" cy="0"/>
+        </a:xfrm>
+      </p:grpSpPr>
+      <p:sp>
+        <p:nvSpPr>
+          <p:cNvPr id="2" name="Title 1">
+            <a:extLst>
+              <a:ext uri="{FF2B5EF4-FFF2-40B4-BE49-F238E27FC236}">
+                <a16:creationId xmlns:a16="http://schemas.microsoft.com/office/drawing/2014/main" id="{178219F4-7D5E-8943-8837-A436F08768B9}"/>
+              </a:ext>
+            </a:extLst>
+          </p:cNvPr>
+          <p:cNvSpPr>
+            <a:spLocks noGrp="1"/>
+          </p:cNvSpPr>
+          <p:nvPr>
+            <p:ph type="title"/>
+          </p:nvPr>
+        </p:nvSpPr>
+        <p:spPr/>
+        <p:txBody>
+          <a:bodyPr/>
+          <a:lstStyle/>
+          <a:p>
+            <a:r>
+              <a:rPr lang="en-US" dirty="0"/>
+              <a:t>Pipeline</a:t>
+            </a:r>
+          </a:p>
+        </p:txBody>
+      </p:sp>
+      <p:sp>
+        <p:nvSpPr>
+          <p:cNvPr id="3" name="Content Placeholder 2">
+            <a:extLst>
+              <a:ext uri="{FF2B5EF4-FFF2-40B4-BE49-F238E27FC236}">
+                <a16:creationId xmlns:a16="http://schemas.microsoft.com/office/drawing/2014/main" id="{EB19B787-ED9C-F14C-96A4-82A3A9097180}"/>
+              </a:ext>
+            </a:extLst>
+          </p:cNvPr>
+          <p:cNvSpPr>
+            <a:spLocks noGrp="1"/>
+          </p:cNvSpPr>
+          <p:nvPr>
+            <p:ph idx="1"/>
+          </p:nvPr>
+        </p:nvSpPr>
+        <p:spPr/>
+        <p:txBody>
+          <a:bodyPr>
+            <a:normAutofit/>
+          </a:bodyPr>
+          <a:lstStyle/>
+          <a:p>
+            <a:r>
+              <a:rPr lang="en-US" dirty="0"/>
+              <a:t>Data source </a:t>
+            </a:r>
+          </a:p>
+          <a:p>
+            <a:pPr lvl="1"/>
+            <a:r>
+              <a:rPr lang="en-US" dirty="0"/>
+              <a:t>Financials from Morningstar database</a:t>
+            </a:r>
+          </a:p>
+          <a:p>
+            <a:pPr lvl="1"/>
+            <a:r>
+              <a:rPr lang="en-US" dirty="0"/>
+              <a:t>Share price from Yahoo Finance</a:t>
+            </a:r>
+          </a:p>
+          <a:p>
+            <a:endParaRPr lang="en-US" dirty="0"/>
+          </a:p>
+          <a:p>
+            <a:r>
+              <a:rPr lang="en-US" dirty="0"/>
+              <a:t>Data acquisition</a:t>
+            </a:r>
+          </a:p>
+          <a:p>
+            <a:r>
+              <a:rPr lang="en-US" dirty="0"/>
+              <a:t>Clean &amp; Exploring</a:t>
+            </a:r>
+          </a:p>
+          <a:p>
+            <a:r>
+              <a:rPr lang="en-US" dirty="0"/>
+              <a:t>Visualization</a:t>
+            </a:r>
+          </a:p>
+          <a:p>
+            <a:r>
+              <a:rPr lang="en-US" dirty="0"/>
+              <a:t>Hypothesize</a:t>
+            </a:r>
+          </a:p>
+          <a:p>
+            <a:r>
+              <a:rPr lang="en-US" dirty="0"/>
+              <a:t>Build Models</a:t>
+            </a:r>
+          </a:p>
+          <a:p>
+            <a:endParaRPr lang="en-US" dirty="0"/>
+          </a:p>
+        </p:txBody>
+      </p:sp>
+    </p:spTree>
+    <p:extLst>
+      <p:ext uri="{BB962C8B-B14F-4D97-AF65-F5344CB8AC3E}">
+        <p14:creationId xmlns:p14="http://schemas.microsoft.com/office/powerpoint/2010/main" val="3329750589"/>
+      </p:ext>
+    </p:extLst>
+  </p:cSld>
+  <p:clrMapOvr>
+    <a:masterClrMapping/>
+  </p:clrMapOvr>
+</p:sld>
+</file>
+
+<file path=ppt/slides/slide7.xml><?xml version="1.0" encoding="utf-8"?>
+<p:sld xmlns:a="http://schemas.openxmlformats.org/drawingml/2006/main" xmlns:r="http://schemas.openxmlformats.org/officeDocument/2006/relationships" xmlns:p="http://schemas.openxmlformats.org/presentationml/2006/main">
+  <p:cSld>
+    <p:spTree>
+      <p:nvGrpSpPr>
+        <p:cNvPr id="1" name=""/>
+        <p:cNvGrpSpPr/>
+        <p:nvPr/>
+      </p:nvGrpSpPr>
+      <p:grpSpPr>
+        <a:xfrm>
+          <a:off x="0" y="0"/>
+          <a:ext cx="0" cy="0"/>
+          <a:chOff x="0" y="0"/>
+          <a:chExt cx="0" cy="0"/>
+        </a:xfrm>
+      </p:grpSpPr>
+      <p:sp>
+        <p:nvSpPr>
+          <p:cNvPr id="2" name="Title 1">
+            <a:extLst>
+              <a:ext uri="{FF2B5EF4-FFF2-40B4-BE49-F238E27FC236}">
+                <a16:creationId xmlns:a16="http://schemas.microsoft.com/office/drawing/2014/main" id="{811C733A-0405-D74F-858B-524AC9CA7928}"/>
+              </a:ext>
+            </a:extLst>
+          </p:cNvPr>
+          <p:cNvSpPr>
+            <a:spLocks noGrp="1"/>
+          </p:cNvSpPr>
+          <p:nvPr>
+            <p:ph type="title"/>
+          </p:nvPr>
+        </p:nvSpPr>
+        <p:spPr/>
+        <p:txBody>
+          <a:bodyPr/>
+          <a:lstStyle/>
+          <a:p>
+            <a:r>
+              <a:rPr lang="en-US" dirty="0"/>
+              <a:t>Value investing criteria</a:t>
+            </a:r>
+          </a:p>
+        </p:txBody>
+      </p:sp>
+      <p:sp>
+        <p:nvSpPr>
+          <p:cNvPr id="3" name="Content Placeholder 2">
+            <a:extLst>
+              <a:ext uri="{FF2B5EF4-FFF2-40B4-BE49-F238E27FC236}">
+                <a16:creationId xmlns:a16="http://schemas.microsoft.com/office/drawing/2014/main" id="{51E3565B-98CE-784F-843A-7FB10AF4136F}"/>
+              </a:ext>
+            </a:extLst>
+          </p:cNvPr>
+          <p:cNvSpPr>
+            <a:spLocks noGrp="1"/>
+          </p:cNvSpPr>
+          <p:nvPr>
+            <p:ph idx="1"/>
+          </p:nvPr>
+        </p:nvSpPr>
+        <p:spPr/>
+        <p:txBody>
+          <a:bodyPr>
+            <a:normAutofit/>
+          </a:bodyPr>
+          <a:lstStyle/>
+          <a:p>
+            <a:r>
+              <a:rPr lang="en-US" dirty="0"/>
+              <a:t>Selected periods from 2011 to 2020. </a:t>
+            </a:r>
+          </a:p>
+          <a:p>
+            <a:r>
+              <a:rPr lang="en-US" dirty="0"/>
+              <a:t>Selection criteria (based on Benjamin Graham’ criteria)</a:t>
+            </a:r>
+          </a:p>
+          <a:p>
+            <a:pPr marL="914400" lvl="1" indent="-457200">
+              <a:buFont typeface="+mj-lt"/>
+              <a:buAutoNum type="arabicPeriod"/>
+            </a:pPr>
+            <a:r>
+              <a:rPr lang="en-US" dirty="0"/>
+              <a:t>Current ratio &gt;= 1.5</a:t>
+            </a:r>
+          </a:p>
+          <a:p>
+            <a:pPr marL="914400" lvl="1" indent="-457200">
+              <a:buFont typeface="+mj-lt"/>
+              <a:buAutoNum type="arabicPeriod"/>
+            </a:pPr>
+            <a:r>
+              <a:rPr lang="en-US" dirty="0"/>
+              <a:t>Debt to Equity ratio &lt; 0.5</a:t>
+            </a:r>
+          </a:p>
+          <a:p>
+            <a:pPr marL="914400" lvl="1" indent="-457200">
+              <a:buFont typeface="+mj-lt"/>
+              <a:buAutoNum type="arabicPeriod"/>
+            </a:pPr>
+            <a:r>
+              <a:rPr lang="en-US" dirty="0"/>
+              <a:t>Earnings per share = increase in EPS for the last two consecutive years</a:t>
+            </a:r>
+          </a:p>
+          <a:p>
+            <a:pPr marL="914400" lvl="1" indent="-457200">
+              <a:buFont typeface="+mj-lt"/>
+              <a:buAutoNum type="arabicPeriod"/>
+            </a:pPr>
+            <a:r>
+              <a:rPr lang="en-US" dirty="0"/>
+              <a:t>Price to earnings ratio &lt; 15</a:t>
+            </a:r>
+          </a:p>
+          <a:p>
+            <a:pPr marL="914400" lvl="1" indent="-457200">
+              <a:buFont typeface="+mj-lt"/>
+              <a:buAutoNum type="arabicPeriod"/>
+            </a:pPr>
+            <a:r>
+              <a:rPr lang="en-US" dirty="0"/>
+              <a:t>Price to book value per share &lt; 1.5</a:t>
+            </a:r>
+          </a:p>
+          <a:p>
+            <a:endParaRPr lang="en-US" dirty="0"/>
+          </a:p>
+        </p:txBody>
+      </p:sp>
+    </p:spTree>
+    <p:extLst>
+      <p:ext uri="{BB962C8B-B14F-4D97-AF65-F5344CB8AC3E}">
+        <p14:creationId xmlns:p14="http://schemas.microsoft.com/office/powerpoint/2010/main" val="1372617411"/>
+      </p:ext>
+    </p:extLst>
+  </p:cSld>
+  <p:clrMapOvr>
+    <a:masterClrMapping/>
+  </p:clrMapOvr>
+</p:sld>
+</file>
+
+<file path=ppt/slides/slide8.xml><?xml version="1.0" encoding="utf-8"?>
+<p:sld xmlns:a="http://schemas.openxmlformats.org/drawingml/2006/main" xmlns:r="http://schemas.openxmlformats.org/officeDocument/2006/relationships" xmlns:p="http://schemas.openxmlformats.org/presentationml/2006/main">
+  <p:cSld>
+    <p:spTree>
+      <p:nvGrpSpPr>
+        <p:cNvPr id="1" name=""/>
+        <p:cNvGrpSpPr/>
+        <p:nvPr/>
+      </p:nvGrpSpPr>
+      <p:grpSpPr>
+        <a:xfrm>
+          <a:off x="0" y="0"/>
+          <a:ext cx="0" cy="0"/>
+          <a:chOff x="0" y="0"/>
+          <a:chExt cx="0" cy="0"/>
+        </a:xfrm>
+      </p:grpSpPr>
+      <p:sp>
+        <p:nvSpPr>
+          <p:cNvPr id="2" name="Title 1">
+            <a:extLst>
+              <a:ext uri="{FF2B5EF4-FFF2-40B4-BE49-F238E27FC236}">
+                <a16:creationId xmlns:a16="http://schemas.microsoft.com/office/drawing/2014/main" id="{035C7781-8130-4042-9CEF-6083EC7B713F}"/>
+              </a:ext>
+            </a:extLst>
+          </p:cNvPr>
+          <p:cNvSpPr>
+            <a:spLocks noGrp="1"/>
+          </p:cNvSpPr>
+          <p:nvPr>
+            <p:ph type="title"/>
+          </p:nvPr>
+        </p:nvSpPr>
+        <p:spPr/>
+        <p:txBody>
+          <a:bodyPr/>
+          <a:lstStyle/>
+          <a:p>
+            <a:r>
+              <a:rPr lang="en-US" dirty="0"/>
+              <a:t>Summary statistics</a:t>
+            </a:r>
+          </a:p>
+        </p:txBody>
+      </p:sp>
+      <p:sp>
+        <p:nvSpPr>
+          <p:cNvPr id="3" name="Content Placeholder 2">
+            <a:extLst>
+              <a:ext uri="{FF2B5EF4-FFF2-40B4-BE49-F238E27FC236}">
+                <a16:creationId xmlns:a16="http://schemas.microsoft.com/office/drawing/2014/main" id="{CCAEA755-E218-EF42-A5E4-231B46200B98}"/>
+              </a:ext>
+            </a:extLst>
+          </p:cNvPr>
+          <p:cNvSpPr>
+            <a:spLocks noGrp="1"/>
+          </p:cNvSpPr>
+          <p:nvPr>
+            <p:ph idx="1"/>
+          </p:nvPr>
+        </p:nvSpPr>
+        <p:spPr/>
+        <p:txBody>
+          <a:bodyPr/>
+          <a:lstStyle/>
+          <a:p>
+            <a:r>
+              <a:rPr lang="en-US" dirty="0"/>
+              <a:t>For each year as well</a:t>
+            </a:r>
+          </a:p>
+        </p:txBody>
+      </p:sp>
+    </p:spTree>
+    <p:extLst>
+      <p:ext uri="{BB962C8B-B14F-4D97-AF65-F5344CB8AC3E}">
+        <p14:creationId xmlns:p14="http://schemas.microsoft.com/office/powerpoint/2010/main" val="190287074"/>
+      </p:ext>
+    </p:extLst>
+  </p:cSld>
+  <p:clrMapOvr>
+    <a:masterClrMapping/>
+  </p:clrMapOvr>
+</p:sld>
+</file>
+
+<file path=ppt/slides/slide9.xml><?xml version="1.0" encoding="utf-8"?>
+<p:sld xmlns:a="http://schemas.openxmlformats.org/drawingml/2006/main" xmlns:r="http://schemas.openxmlformats.org/officeDocument/2006/relationships" xmlns:p="http://schemas.openxmlformats.org/presentationml/2006/main">
+  <p:cSld>
+    <p:bg>
+      <p:bgPr>
+        <a:solidFill>
+          <a:schemeClr val="bg2"/>
+        </a:solidFill>
+        <a:effectLst/>
+      </p:bgPr>
+    </p:bg>
+    <p:spTree>
+      <p:nvGrpSpPr>
+        <p:cNvPr id="1" name=""/>
+        <p:cNvGrpSpPr/>
+        <p:nvPr/>
+      </p:nvGrpSpPr>
+      <p:grpSpPr>
+        <a:xfrm>
+          <a:off x="0" y="0"/>
+          <a:ext cx="0" cy="0"/>
+          <a:chOff x="0" y="0"/>
+          <a:chExt cx="0" cy="0"/>
+        </a:xfrm>
+      </p:grpSpPr>
+      <p:sp>
+        <p:nvSpPr>
+          <p:cNvPr id="91" name="Rectangle 86">
+            <a:extLst>
+              <a:ext uri="{FF2B5EF4-FFF2-40B4-BE49-F238E27FC236}">
+                <a16:creationId xmlns:a16="http://schemas.microsoft.com/office/drawing/2014/main" id="{BEE73255-8084-4DF9-BB0B-15EAC92E2CB9}"/>
+              </a:ext>
+              <a:ext uri="{C183D7F6-B498-43B3-948B-1728B52AA6E4}">
+                <adec:decorative xmlns:adec="http://schemas.microsoft.com/office/drawing/2017/decorative" val="1"/>
+              </a:ext>
+            </a:extLst>
+          </p:cNvPr>
+          <p:cNvSpPr>
+            <a:spLocks noGrp="1" noRot="1" noChangeAspect="1" noMove="1" noResize="1" noEditPoints="1" noAdjustHandles="1" noChangeArrowheads="1" noChangeShapeType="1" noTextEdit="1"/>
+          </p:cNvSpPr>
+          <p:nvPr>
+            <p:extLst>
+              <p:ext uri="{386F3935-93C4-4BCD-93E2-E3B085C9AB24}">
+                <p16:designElem xmlns:p16="http://schemas.microsoft.com/office/powerpoint/2015/main" val="1"/>
+              </p:ext>
+            </p:extLst>
+          </p:nvPr>
+        </p:nvSpPr>
+        <p:spPr>
+          <a:xfrm>
+            <a:off x="0" y="0"/>
+            <a:ext cx="12192000" cy="6858000"/>
+          </a:xfrm>
+          <a:prstGeom prst="rect">
+            <a:avLst/>
+          </a:prstGeom>
+          <a:solidFill>
+            <a:srgbClr val="C8CACA"/>
+          </a:solidFill>
+          <a:ln>
+            <a:noFill/>
+          </a:ln>
+        </p:spPr>
+        <p:style>
+          <a:lnRef idx="2">
+            <a:schemeClr val="accent1">
+              <a:shade val="50000"/>
+            </a:schemeClr>
+          </a:lnRef>
+          <a:fillRef idx="1">
+            <a:schemeClr val="accent1"/>
+          </a:fillRef>
+          <a:effectRef idx="0">
+            <a:schemeClr val="accent1"/>
+          </a:effectRef>
+          <a:fontRef idx="minor">
+            <a:schemeClr val="lt1"/>
+          </a:fontRef>
+        </p:style>
+        <p:txBody>
+          <a:bodyPr rtlCol="0" anchor="ctr"/>
+          <a:lstStyle/>
+          <a:p>
+            <a:pPr algn="ctr"/>
+            <a:endParaRPr lang="en-US"/>
+          </a:p>
+        </p:txBody>
+      </p:sp>
+      <p:sp>
+        <p:nvSpPr>
+          <p:cNvPr id="2" name="Title 1">
+            <a:extLst>
+              <a:ext uri="{FF2B5EF4-FFF2-40B4-BE49-F238E27FC236}">
+                <a16:creationId xmlns:a16="http://schemas.microsoft.com/office/drawing/2014/main" id="{1D0671F0-CC40-0847-A464-B3E0C5B5BE72}"/>
+              </a:ext>
+            </a:extLst>
+          </p:cNvPr>
+          <p:cNvSpPr>
+            <a:spLocks noGrp="1"/>
+          </p:cNvSpPr>
+          <p:nvPr>
+            <p:ph type="title"/>
+          </p:nvPr>
+        </p:nvSpPr>
+        <p:spPr>
+          <a:xfrm>
+            <a:off x="603938" y="640081"/>
+            <a:ext cx="2608655" cy="5257799"/>
+          </a:xfrm>
+        </p:spPr>
+        <p:txBody>
+          <a:bodyPr vert="horz" lIns="91440" tIns="45720" rIns="91440" bIns="45720" rtlCol="0" anchor="ctr">
+            <a:normAutofit/>
+          </a:bodyPr>
+          <a:lstStyle/>
+          <a:p>
+            <a:r>
+              <a:rPr lang="en-US" sz="3600">
+                <a:solidFill>
+                  <a:srgbClr val="2C2C2C"/>
+                </a:solidFill>
+              </a:rPr>
+              <a:t>Correlation between key variables (all years)</a:t>
+            </a:r>
+          </a:p>
+        </p:txBody>
+      </p:sp>
+      <p:sp>
+        <p:nvSpPr>
+          <p:cNvPr id="92" name="Rounded Rectangle 9">
+            <a:extLst>
+              <a:ext uri="{FF2B5EF4-FFF2-40B4-BE49-F238E27FC236}">
+                <a16:creationId xmlns:a16="http://schemas.microsoft.com/office/drawing/2014/main" id="{67048353-8981-459A-9BC6-9711CE462E06}"/>
+              </a:ext>
+              <a:ext uri="{C183D7F6-B498-43B3-948B-1728B52AA6E4}">
+                <adec:decorative xmlns:adec="http://schemas.microsoft.com/office/drawing/2017/decorative" val="1"/>
+              </a:ext>
+            </a:extLst>
+          </p:cNvPr>
+          <p:cNvSpPr>
+            <a:spLocks noGrp="1" noRot="1" noChangeAspect="1" noMove="1" noResize="1" noEditPoints="1" noAdjustHandles="1" noChangeArrowheads="1" noChangeShapeType="1" noTextEdit="1"/>
+          </p:cNvSpPr>
+          <p:nvPr>
+            <p:extLst>
+              <p:ext uri="{386F3935-93C4-4BCD-93E2-E3B085C9AB24}">
+                <p16:designElem xmlns:p16="http://schemas.microsoft.com/office/powerpoint/2015/main" val="1"/>
+              </p:ext>
+            </p:extLst>
+          </p:nvPr>
+        </p:nvSpPr>
+        <p:spPr>
+          <a:xfrm>
+            <a:off x="3580067" y="484632"/>
+            <a:ext cx="8129016" cy="5724144"/>
+          </a:xfrm>
+          <a:prstGeom prst="roundRect">
+            <a:avLst>
+              <a:gd name="adj" fmla="val 0"/>
+            </a:avLst>
+          </a:prstGeom>
+          <a:solidFill>
+            <a:srgbClr val="FFFFFF"/>
+          </a:solidFill>
+          <a:ln w="9525">
+            <a:solidFill>
+              <a:srgbClr val="C8CACA"/>
+            </a:solidFill>
+          </a:ln>
+          <a:effectLst>
+            <a:outerShdw blurRad="57150" dist="19050" dir="5400000" algn="t" rotWithShape="0">
+              <a:prstClr val="black">
+                <a:alpha val="63000"/>
+              </a:prstClr>
+            </a:outerShdw>
+          </a:effectLst>
+        </p:spPr>
+        <p:style>
+          <a:lnRef idx="2">
+            <a:schemeClr val="accent1">
+              <a:shade val="50000"/>
+            </a:schemeClr>
+          </a:lnRef>
+          <a:fillRef idx="1">
+            <a:schemeClr val="accent1"/>
+          </a:fillRef>
+          <a:effectRef idx="0">
+            <a:schemeClr val="accent1"/>
+          </a:effectRef>
+          <a:fontRef idx="minor">
+            <a:schemeClr val="lt1"/>
+          </a:fontRef>
+        </p:style>
+        <p:txBody>
+          <a:bodyPr rtlCol="0" anchor="ctr"/>
+          <a:lstStyle/>
+          <a:p>
+            <a:pPr algn="ctr"/>
+            <a:endParaRPr lang="en-US"/>
+          </a:p>
+        </p:txBody>
+      </p:sp>
+      <p:pic>
+        <p:nvPicPr>
+          <p:cNvPr id="15" name="Picture 14" descr="Graphical user interface, application&#10;&#10;Description automatically generated">
+            <a:extLst>
+              <a:ext uri="{FF2B5EF4-FFF2-40B4-BE49-F238E27FC236}">
+                <a16:creationId xmlns:a16="http://schemas.microsoft.com/office/drawing/2014/main" id="{E61FF479-DFF4-3D43-8669-C3B67D327B25}"/>
+              </a:ext>
+            </a:extLst>
+          </p:cNvPr>
+          <p:cNvPicPr>
+            <a:picLocks noChangeAspect="1"/>
+          </p:cNvPicPr>
+          <p:nvPr/>
+        </p:nvPicPr>
+        <p:blipFill>
+          <a:blip r:embed="rId2"/>
+          <a:stretch>
+            <a:fillRect/>
+          </a:stretch>
+        </p:blipFill>
+        <p:spPr>
+          <a:xfrm>
+            <a:off x="4272862" y="603504"/>
+            <a:ext cx="7315200" cy="5486400"/>
+          </a:xfrm>
+          <a:prstGeom prst="rect">
+            <a:avLst/>
+          </a:prstGeom>
+        </p:spPr>
+      </p:pic>
+    </p:spTree>
+    <p:extLst>
+      <p:ext uri="{BB962C8B-B14F-4D97-AF65-F5344CB8AC3E}">
+        <p14:creationId xmlns:p14="http://schemas.microsoft.com/office/powerpoint/2010/main" val="1901833855"/>
       </p:ext>
     </p:extLst>
   </p:cSld>
